--- a/NLP/bayes.pptx
+++ b/NLP/bayes.pptx
@@ -263,7 +263,7 @@
           <a:p>
             <a:fld id="{77BAEA72-A2FC-40D4-857A-DE3CF64BE7F9}" type="datetimeFigureOut">
               <a:rPr lang="zh-CN" altLang="en-US" smtClean="0"/>
-              <a:t>2021/7/14</a:t>
+              <a:t>2021/7/19</a:t>
             </a:fld>
             <a:endParaRPr lang="zh-CN" altLang="en-US"/>
           </a:p>
@@ -461,7 +461,7 @@
           <a:p>
             <a:fld id="{77BAEA72-A2FC-40D4-857A-DE3CF64BE7F9}" type="datetimeFigureOut">
               <a:rPr lang="zh-CN" altLang="en-US" smtClean="0"/>
-              <a:t>2021/7/14</a:t>
+              <a:t>2021/7/19</a:t>
             </a:fld>
             <a:endParaRPr lang="zh-CN" altLang="en-US"/>
           </a:p>
@@ -669,7 +669,7 @@
           <a:p>
             <a:fld id="{77BAEA72-A2FC-40D4-857A-DE3CF64BE7F9}" type="datetimeFigureOut">
               <a:rPr lang="zh-CN" altLang="en-US" smtClean="0"/>
-              <a:t>2021/7/14</a:t>
+              <a:t>2021/7/19</a:t>
             </a:fld>
             <a:endParaRPr lang="zh-CN" altLang="en-US"/>
           </a:p>
@@ -867,7 +867,7 @@
           <a:p>
             <a:fld id="{77BAEA72-A2FC-40D4-857A-DE3CF64BE7F9}" type="datetimeFigureOut">
               <a:rPr lang="zh-CN" altLang="en-US" smtClean="0"/>
-              <a:t>2021/7/14</a:t>
+              <a:t>2021/7/19</a:t>
             </a:fld>
             <a:endParaRPr lang="zh-CN" altLang="en-US"/>
           </a:p>
@@ -1142,7 +1142,7 @@
           <a:p>
             <a:fld id="{77BAEA72-A2FC-40D4-857A-DE3CF64BE7F9}" type="datetimeFigureOut">
               <a:rPr lang="zh-CN" altLang="en-US" smtClean="0"/>
-              <a:t>2021/7/14</a:t>
+              <a:t>2021/7/19</a:t>
             </a:fld>
             <a:endParaRPr lang="zh-CN" altLang="en-US"/>
           </a:p>
@@ -1407,7 +1407,7 @@
           <a:p>
             <a:fld id="{77BAEA72-A2FC-40D4-857A-DE3CF64BE7F9}" type="datetimeFigureOut">
               <a:rPr lang="zh-CN" altLang="en-US" smtClean="0"/>
-              <a:t>2021/7/14</a:t>
+              <a:t>2021/7/19</a:t>
             </a:fld>
             <a:endParaRPr lang="zh-CN" altLang="en-US"/>
           </a:p>
@@ -1819,7 +1819,7 @@
           <a:p>
             <a:fld id="{77BAEA72-A2FC-40D4-857A-DE3CF64BE7F9}" type="datetimeFigureOut">
               <a:rPr lang="zh-CN" altLang="en-US" smtClean="0"/>
-              <a:t>2021/7/14</a:t>
+              <a:t>2021/7/19</a:t>
             </a:fld>
             <a:endParaRPr lang="zh-CN" altLang="en-US"/>
           </a:p>
@@ -1960,7 +1960,7 @@
           <a:p>
             <a:fld id="{77BAEA72-A2FC-40D4-857A-DE3CF64BE7F9}" type="datetimeFigureOut">
               <a:rPr lang="zh-CN" altLang="en-US" smtClean="0"/>
-              <a:t>2021/7/14</a:t>
+              <a:t>2021/7/19</a:t>
             </a:fld>
             <a:endParaRPr lang="zh-CN" altLang="en-US"/>
           </a:p>
@@ -2073,7 +2073,7 @@
           <a:p>
             <a:fld id="{77BAEA72-A2FC-40D4-857A-DE3CF64BE7F9}" type="datetimeFigureOut">
               <a:rPr lang="zh-CN" altLang="en-US" smtClean="0"/>
-              <a:t>2021/7/14</a:t>
+              <a:t>2021/7/19</a:t>
             </a:fld>
             <a:endParaRPr lang="zh-CN" altLang="en-US"/>
           </a:p>
@@ -2384,7 +2384,7 @@
           <a:p>
             <a:fld id="{77BAEA72-A2FC-40D4-857A-DE3CF64BE7F9}" type="datetimeFigureOut">
               <a:rPr lang="zh-CN" altLang="en-US" smtClean="0"/>
-              <a:t>2021/7/14</a:t>
+              <a:t>2021/7/19</a:t>
             </a:fld>
             <a:endParaRPr lang="zh-CN" altLang="en-US"/>
           </a:p>
@@ -2672,7 +2672,7 @@
           <a:p>
             <a:fld id="{77BAEA72-A2FC-40D4-857A-DE3CF64BE7F9}" type="datetimeFigureOut">
               <a:rPr lang="zh-CN" altLang="en-US" smtClean="0"/>
-              <a:t>2021/7/14</a:t>
+              <a:t>2021/7/19</a:t>
             </a:fld>
             <a:endParaRPr lang="zh-CN" altLang="en-US"/>
           </a:p>
@@ -2913,7 +2913,7 @@
           <a:p>
             <a:fld id="{77BAEA72-A2FC-40D4-857A-DE3CF64BE7F9}" type="datetimeFigureOut">
               <a:rPr lang="zh-CN" altLang="en-US" smtClean="0"/>
-              <a:t>2021/7/14</a:t>
+              <a:t>2021/7/19</a:t>
             </a:fld>
             <a:endParaRPr lang="zh-CN" altLang="en-US"/>
           </a:p>
@@ -3812,67 +3812,6 @@
       </p:grpSp>
       <p:sp>
         <p:nvSpPr>
-          <p:cNvPr id="14" name="矩形 13">
-            <a:extLst>
-              <a:ext uri="{FF2B5EF4-FFF2-40B4-BE49-F238E27FC236}">
-                <a16:creationId xmlns:a16="http://schemas.microsoft.com/office/drawing/2014/main" id="{08451DDD-A7C9-4454-A1B5-94A6E3510465}"/>
-              </a:ext>
-            </a:extLst>
-          </p:cNvPr>
-          <p:cNvSpPr/>
-          <p:nvPr/>
-        </p:nvSpPr>
-        <p:spPr>
-          <a:xfrm>
-            <a:off x="4505459" y="854002"/>
-            <a:ext cx="2607972" cy="410592"/>
-          </a:xfrm>
-          <a:prstGeom prst="rect">
-            <a:avLst/>
-          </a:prstGeom>
-          <a:solidFill>
-            <a:schemeClr val="bg2"/>
-          </a:solidFill>
-          <a:ln>
-            <a:solidFill>
-              <a:schemeClr val="bg1"/>
-            </a:solidFill>
-          </a:ln>
-        </p:spPr>
-        <p:style>
-          <a:lnRef idx="2">
-            <a:schemeClr val="accent1">
-              <a:shade val="50000"/>
-            </a:schemeClr>
-          </a:lnRef>
-          <a:fillRef idx="1">
-            <a:schemeClr val="accent1"/>
-          </a:fillRef>
-          <a:effectRef idx="0">
-            <a:schemeClr val="accent1"/>
-          </a:effectRef>
-          <a:fontRef idx="minor">
-            <a:schemeClr val="lt1"/>
-          </a:fontRef>
-        </p:style>
-        <p:txBody>
-          <a:bodyPr rtlCol="0" anchor="ctr"/>
-          <a:lstStyle/>
-          <a:p>
-            <a:pPr algn="ctr"/>
-            <a:r>
-              <a:rPr lang="zh-CN" altLang="en-US" b="1" dirty="0">
-                <a:solidFill>
-                  <a:schemeClr val="tx1"/>
-                </a:solidFill>
-              </a:rPr>
-              <a:t>朴素贝叶斯</a:t>
-            </a:r>
-          </a:p>
-        </p:txBody>
-      </p:sp>
-      <p:sp>
-        <p:nvSpPr>
           <p:cNvPr id="16" name="文本框 15">
             <a:extLst>
               <a:ext uri="{FF2B5EF4-FFF2-40B4-BE49-F238E27FC236}">
@@ -4179,6 +4118,46 @@
               <a:t>我”是同一个分类任务</a:t>
             </a:r>
             <a:endParaRPr lang="zh-CN" altLang="en-US" dirty="0"/>
+          </a:p>
+        </p:txBody>
+      </p:sp>
+      <p:sp>
+        <p:nvSpPr>
+          <p:cNvPr id="15" name="文本框 14">
+            <a:extLst>
+              <a:ext uri="{FF2B5EF4-FFF2-40B4-BE49-F238E27FC236}">
+                <a16:creationId xmlns:a16="http://schemas.microsoft.com/office/drawing/2014/main" id="{CE24E908-EB5D-4BA0-9DB7-27894AE908E3}"/>
+              </a:ext>
+            </a:extLst>
+          </p:cNvPr>
+          <p:cNvSpPr txBox="1"/>
+          <p:nvPr/>
+        </p:nvSpPr>
+        <p:spPr>
+          <a:xfrm>
+            <a:off x="9298066" y="111199"/>
+            <a:ext cx="2168852" cy="369332"/>
+          </a:xfrm>
+          <a:prstGeom prst="rect">
+            <a:avLst/>
+          </a:prstGeom>
+          <a:noFill/>
+        </p:spPr>
+        <p:txBody>
+          <a:bodyPr wrap="square">
+            <a:spAutoFit/>
+          </a:bodyPr>
+          <a:lstStyle/>
+          <a:p>
+            <a:pPr algn="ctr"/>
+            <a:r>
+              <a:rPr lang="zh-CN" altLang="en-US" b="1" dirty="0">
+                <a:solidFill>
+                  <a:schemeClr val="tx1"/>
+                </a:solidFill>
+              </a:rPr>
+              <a:t>朴素贝叶斯</a:t>
+            </a:r>
           </a:p>
         </p:txBody>
       </p:sp>
@@ -4212,6 +4191,1045 @@
           <a:chExt cx="0" cy="0"/>
         </a:xfrm>
       </p:grpSpPr>
+      <p:grpSp>
+        <p:nvGrpSpPr>
+          <p:cNvPr id="4" name="组合 3">
+            <a:extLst>
+              <a:ext uri="{FF2B5EF4-FFF2-40B4-BE49-F238E27FC236}">
+                <a16:creationId xmlns:a16="http://schemas.microsoft.com/office/drawing/2014/main" id="{CB09DC5A-0979-44EA-9F8B-122E0DE0E1A8}"/>
+              </a:ext>
+            </a:extLst>
+          </p:cNvPr>
+          <p:cNvGrpSpPr/>
+          <p:nvPr/>
+        </p:nvGrpSpPr>
+        <p:grpSpPr>
+          <a:xfrm>
+            <a:off x="-9053" y="36212"/>
+            <a:ext cx="12192000" cy="541304"/>
+            <a:chOff x="-9053" y="36212"/>
+            <a:chExt cx="12192000" cy="371189"/>
+          </a:xfrm>
+        </p:grpSpPr>
+        <p:sp>
+          <p:nvSpPr>
+            <p:cNvPr id="5" name="矩形 4">
+              <a:extLst>
+                <a:ext uri="{FF2B5EF4-FFF2-40B4-BE49-F238E27FC236}">
+                  <a16:creationId xmlns:a16="http://schemas.microsoft.com/office/drawing/2014/main" id="{328289F4-27AF-4B23-BA74-8A3F149FF6BE}"/>
+                </a:ext>
+              </a:extLst>
+            </p:cNvPr>
+            <p:cNvSpPr/>
+            <p:nvPr/>
+          </p:nvSpPr>
+          <p:spPr>
+            <a:xfrm>
+              <a:off x="36212" y="36212"/>
+              <a:ext cx="2649236" cy="298764"/>
+            </a:xfrm>
+            <a:prstGeom prst="rect">
+              <a:avLst/>
+            </a:prstGeom>
+            <a:solidFill>
+              <a:srgbClr val="92D050"/>
+            </a:solidFill>
+            <a:ln>
+              <a:noFill/>
+            </a:ln>
+          </p:spPr>
+          <p:style>
+            <a:lnRef idx="2">
+              <a:schemeClr val="accent1">
+                <a:shade val="50000"/>
+              </a:schemeClr>
+            </a:lnRef>
+            <a:fillRef idx="1">
+              <a:schemeClr val="accent1"/>
+            </a:fillRef>
+            <a:effectRef idx="0">
+              <a:schemeClr val="accent1"/>
+            </a:effectRef>
+            <a:fontRef idx="minor">
+              <a:schemeClr val="lt1"/>
+            </a:fontRef>
+          </p:style>
+          <p:txBody>
+            <a:bodyPr rtlCol="0" anchor="ctr"/>
+            <a:lstStyle/>
+            <a:p>
+              <a:pPr algn="ctr"/>
+              <a:r>
+                <a:rPr lang="en-US" altLang="zh-CN" sz="2000" b="1" dirty="0">
+                  <a:solidFill>
+                    <a:schemeClr val="tx1"/>
+                  </a:solidFill>
+                </a:rPr>
+                <a:t>Bayes</a:t>
+              </a:r>
+            </a:p>
+          </p:txBody>
+        </p:sp>
+        <p:cxnSp>
+          <p:nvCxnSpPr>
+            <p:cNvPr id="6" name="直接连接符 5">
+              <a:extLst>
+                <a:ext uri="{FF2B5EF4-FFF2-40B4-BE49-F238E27FC236}">
+                  <a16:creationId xmlns:a16="http://schemas.microsoft.com/office/drawing/2014/main" id="{91144791-D8C3-4614-926D-4793A4B9846D}"/>
+                </a:ext>
+              </a:extLst>
+            </p:cNvPr>
+            <p:cNvCxnSpPr/>
+            <p:nvPr/>
+          </p:nvCxnSpPr>
+          <p:spPr>
+            <a:xfrm>
+              <a:off x="-9053" y="380241"/>
+              <a:ext cx="12192000" cy="27160"/>
+            </a:xfrm>
+            <a:prstGeom prst="line">
+              <a:avLst/>
+            </a:prstGeom>
+            <a:ln w="22225">
+              <a:solidFill>
+                <a:srgbClr val="7030A0"/>
+              </a:solidFill>
+            </a:ln>
+          </p:spPr>
+          <p:style>
+            <a:lnRef idx="1">
+              <a:schemeClr val="accent1"/>
+            </a:lnRef>
+            <a:fillRef idx="0">
+              <a:schemeClr val="accent1"/>
+            </a:fillRef>
+            <a:effectRef idx="0">
+              <a:schemeClr val="accent1"/>
+            </a:effectRef>
+            <a:fontRef idx="minor">
+              <a:schemeClr val="tx1"/>
+            </a:fontRef>
+          </p:style>
+        </p:cxnSp>
+      </p:grpSp>
+      <p:grpSp>
+        <p:nvGrpSpPr>
+          <p:cNvPr id="2" name="组合 1">
+            <a:extLst>
+              <a:ext uri="{FF2B5EF4-FFF2-40B4-BE49-F238E27FC236}">
+                <a16:creationId xmlns:a16="http://schemas.microsoft.com/office/drawing/2014/main" id="{521C94A7-25FA-4503-8C81-13C62CC86924}"/>
+              </a:ext>
+            </a:extLst>
+          </p:cNvPr>
+          <p:cNvGrpSpPr/>
+          <p:nvPr/>
+        </p:nvGrpSpPr>
+        <p:grpSpPr>
+          <a:xfrm>
+            <a:off x="598266" y="1095321"/>
+            <a:ext cx="10809733" cy="5035610"/>
+            <a:chOff x="506826" y="1110561"/>
+            <a:chExt cx="10809733" cy="5035610"/>
+          </a:xfrm>
+        </p:grpSpPr>
+        <p:pic>
+          <p:nvPicPr>
+            <p:cNvPr id="3" name="图片 2">
+              <a:extLst>
+                <a:ext uri="{FF2B5EF4-FFF2-40B4-BE49-F238E27FC236}">
+                  <a16:creationId xmlns:a16="http://schemas.microsoft.com/office/drawing/2014/main" id="{45E69508-CDF4-402C-A02D-7B0F17D6DB10}"/>
+                </a:ext>
+              </a:extLst>
+            </p:cNvPr>
+            <p:cNvPicPr>
+              <a:picLocks noChangeAspect="1"/>
+            </p:cNvPicPr>
+            <p:nvPr/>
+          </p:nvPicPr>
+          <p:blipFill>
+            <a:blip r:embed="rId2"/>
+            <a:stretch>
+              <a:fillRect/>
+            </a:stretch>
+          </p:blipFill>
+          <p:spPr>
+            <a:xfrm>
+              <a:off x="2612521" y="1110561"/>
+              <a:ext cx="4022568" cy="1298385"/>
+            </a:xfrm>
+            <a:prstGeom prst="rect">
+              <a:avLst/>
+            </a:prstGeom>
+          </p:spPr>
+        </p:pic>
+        <p:pic>
+          <p:nvPicPr>
+            <p:cNvPr id="11" name="图片 10">
+              <a:extLst>
+                <a:ext uri="{FF2B5EF4-FFF2-40B4-BE49-F238E27FC236}">
+                  <a16:creationId xmlns:a16="http://schemas.microsoft.com/office/drawing/2014/main" id="{43E85052-CFB9-494B-8FAA-E82005E888D6}"/>
+                </a:ext>
+              </a:extLst>
+            </p:cNvPr>
+            <p:cNvPicPr>
+              <a:picLocks noChangeAspect="1"/>
+            </p:cNvPicPr>
+            <p:nvPr/>
+          </p:nvPicPr>
+          <p:blipFill>
+            <a:blip r:embed="rId3"/>
+            <a:stretch>
+              <a:fillRect/>
+            </a:stretch>
+          </p:blipFill>
+          <p:spPr>
+            <a:xfrm>
+              <a:off x="2612521" y="2857070"/>
+              <a:ext cx="4248150" cy="1371600"/>
+            </a:xfrm>
+            <a:prstGeom prst="rect">
+              <a:avLst/>
+            </a:prstGeom>
+          </p:spPr>
+        </p:pic>
+        <p:sp>
+          <p:nvSpPr>
+            <p:cNvPr id="15" name="箭头: 下 14">
+              <a:extLst>
+                <a:ext uri="{FF2B5EF4-FFF2-40B4-BE49-F238E27FC236}">
+                  <a16:creationId xmlns:a16="http://schemas.microsoft.com/office/drawing/2014/main" id="{4689C0C6-6EE7-46BD-A657-9D8610C86585}"/>
+                </a:ext>
+              </a:extLst>
+            </p:cNvPr>
+            <p:cNvSpPr/>
+            <p:nvPr/>
+          </p:nvSpPr>
+          <p:spPr>
+            <a:xfrm>
+              <a:off x="4419922" y="2353725"/>
+              <a:ext cx="328411" cy="612652"/>
+            </a:xfrm>
+            <a:prstGeom prst="downArrow">
+              <a:avLst/>
+            </a:prstGeom>
+            <a:solidFill>
+              <a:srgbClr val="FF0000"/>
+            </a:solidFill>
+            <a:ln>
+              <a:solidFill>
+                <a:schemeClr val="tx1"/>
+              </a:solidFill>
+            </a:ln>
+          </p:spPr>
+          <p:style>
+            <a:lnRef idx="2">
+              <a:schemeClr val="accent1">
+                <a:shade val="50000"/>
+              </a:schemeClr>
+            </a:lnRef>
+            <a:fillRef idx="1">
+              <a:schemeClr val="accent1"/>
+            </a:fillRef>
+            <a:effectRef idx="0">
+              <a:schemeClr val="accent1"/>
+            </a:effectRef>
+            <a:fontRef idx="minor">
+              <a:schemeClr val="lt1"/>
+            </a:fontRef>
+          </p:style>
+          <p:txBody>
+            <a:bodyPr rtlCol="0" anchor="ctr"/>
+            <a:lstStyle/>
+            <a:p>
+              <a:pPr algn="ctr"/>
+              <a:endParaRPr lang="zh-CN" altLang="en-US"/>
+            </a:p>
+          </p:txBody>
+        </p:sp>
+        <p:sp>
+          <p:nvSpPr>
+            <p:cNvPr id="21" name="文本框 20">
+              <a:extLst>
+                <a:ext uri="{FF2B5EF4-FFF2-40B4-BE49-F238E27FC236}">
+                  <a16:creationId xmlns:a16="http://schemas.microsoft.com/office/drawing/2014/main" id="{FA4C69DB-2A3F-4812-9188-961F6F95B52F}"/>
+                </a:ext>
+              </a:extLst>
+            </p:cNvPr>
+            <p:cNvSpPr txBox="1"/>
+            <p:nvPr/>
+          </p:nvSpPr>
+          <p:spPr>
+            <a:xfrm>
+              <a:off x="506826" y="4407832"/>
+              <a:ext cx="2105695" cy="923330"/>
+            </a:xfrm>
+            <a:prstGeom prst="rect">
+              <a:avLst/>
+            </a:prstGeom>
+            <a:noFill/>
+            <a:ln w="19050">
+              <a:solidFill>
+                <a:schemeClr val="accent5"/>
+              </a:solidFill>
+            </a:ln>
+          </p:spPr>
+          <p:txBody>
+            <a:bodyPr wrap="square">
+              <a:spAutoFit/>
+            </a:bodyPr>
+            <a:lstStyle/>
+            <a:p>
+              <a:r>
+                <a:rPr lang="zh-CN" altLang="en-US" b="0" i="0" dirty="0">
+                  <a:solidFill>
+                    <a:srgbClr val="333333"/>
+                  </a:solidFill>
+                  <a:effectLst/>
+                  <a:latin typeface="-apple-system"/>
+                </a:rPr>
+                <a:t>已知样本特征的值为</a:t>
+              </a:r>
+              <a:r>
+                <a:rPr lang="en-US" altLang="zh-CN" b="0" i="0" dirty="0">
+                  <a:solidFill>
+                    <a:srgbClr val="333333"/>
+                  </a:solidFill>
+                  <a:effectLst/>
+                  <a:latin typeface="-apple-system"/>
+                </a:rPr>
+                <a:t>X</a:t>
+              </a:r>
+              <a:r>
+                <a:rPr lang="zh-CN" altLang="en-US" b="0" i="0" dirty="0">
+                  <a:solidFill>
+                    <a:srgbClr val="333333"/>
+                  </a:solidFill>
+                  <a:effectLst/>
+                  <a:latin typeface="-apple-system"/>
+                </a:rPr>
+                <a:t>的情况下，目标类别为</a:t>
+              </a:r>
+              <a:r>
+                <a:rPr lang="en-US" altLang="zh-CN" b="0" i="0" dirty="0">
+                  <a:solidFill>
+                    <a:srgbClr val="333333"/>
+                  </a:solidFill>
+                  <a:effectLst/>
+                  <a:latin typeface="-apple-system"/>
+                </a:rPr>
+                <a:t>y</a:t>
+              </a:r>
+              <a:r>
+                <a:rPr lang="zh-CN" altLang="en-US" b="0" i="0" dirty="0">
+                  <a:solidFill>
+                    <a:srgbClr val="333333"/>
+                  </a:solidFill>
+                  <a:effectLst/>
+                  <a:latin typeface="-apple-system"/>
+                </a:rPr>
+                <a:t>的概率</a:t>
+              </a:r>
+              <a:endParaRPr lang="zh-CN" altLang="en-US" dirty="0"/>
+            </a:p>
+          </p:txBody>
+        </p:sp>
+        <p:sp>
+          <p:nvSpPr>
+            <p:cNvPr id="22" name="文本框 21">
+              <a:extLst>
+                <a:ext uri="{FF2B5EF4-FFF2-40B4-BE49-F238E27FC236}">
+                  <a16:creationId xmlns:a16="http://schemas.microsoft.com/office/drawing/2014/main" id="{3FE1C16E-F1C3-4706-A9AB-0006B216BF28}"/>
+                </a:ext>
+              </a:extLst>
+            </p:cNvPr>
+            <p:cNvSpPr txBox="1"/>
+            <p:nvPr/>
+          </p:nvSpPr>
+          <p:spPr>
+            <a:xfrm>
+              <a:off x="1014749" y="5415282"/>
+              <a:ext cx="1255690" cy="369332"/>
+            </a:xfrm>
+            <a:prstGeom prst="rect">
+              <a:avLst/>
+            </a:prstGeom>
+            <a:noFill/>
+          </p:spPr>
+          <p:txBody>
+            <a:bodyPr wrap="square">
+              <a:spAutoFit/>
+            </a:bodyPr>
+            <a:lstStyle/>
+            <a:p>
+              <a:r>
+                <a:rPr lang="zh-CN" altLang="en-US" b="0" i="0" dirty="0">
+                  <a:solidFill>
+                    <a:srgbClr val="00D100"/>
+                  </a:solidFill>
+                  <a:effectLst/>
+                  <a:latin typeface="-apple-system"/>
+                </a:rPr>
+                <a:t>后验概率</a:t>
+              </a:r>
+              <a:endParaRPr lang="zh-CN" altLang="en-US" dirty="0"/>
+            </a:p>
+          </p:txBody>
+        </p:sp>
+        <p:cxnSp>
+          <p:nvCxnSpPr>
+            <p:cNvPr id="24" name="直接箭头连接符 23">
+              <a:extLst>
+                <a:ext uri="{FF2B5EF4-FFF2-40B4-BE49-F238E27FC236}">
+                  <a16:creationId xmlns:a16="http://schemas.microsoft.com/office/drawing/2014/main" id="{B320183D-7C4C-4F58-AA46-7371D7A126A6}"/>
+                </a:ext>
+              </a:extLst>
+            </p:cNvPr>
+            <p:cNvCxnSpPr>
+              <a:endCxn id="21" idx="0"/>
+            </p:cNvCxnSpPr>
+            <p:nvPr/>
+          </p:nvCxnSpPr>
+          <p:spPr>
+            <a:xfrm flipH="1">
+              <a:off x="1559674" y="3886200"/>
+              <a:ext cx="1244486" cy="521632"/>
+            </a:xfrm>
+            <a:prstGeom prst="straightConnector1">
+              <a:avLst/>
+            </a:prstGeom>
+            <a:ln w="19050">
+              <a:tailEnd type="triangle"/>
+            </a:ln>
+          </p:spPr>
+          <p:style>
+            <a:lnRef idx="1">
+              <a:schemeClr val="dk1"/>
+            </a:lnRef>
+            <a:fillRef idx="0">
+              <a:schemeClr val="dk1"/>
+            </a:fillRef>
+            <a:effectRef idx="0">
+              <a:schemeClr val="dk1"/>
+            </a:effectRef>
+            <a:fontRef idx="minor">
+              <a:schemeClr val="tx1"/>
+            </a:fontRef>
+          </p:style>
+        </p:cxnSp>
+        <p:sp>
+          <p:nvSpPr>
+            <p:cNvPr id="14" name="文本框 13">
+              <a:extLst>
+                <a:ext uri="{FF2B5EF4-FFF2-40B4-BE49-F238E27FC236}">
+                  <a16:creationId xmlns:a16="http://schemas.microsoft.com/office/drawing/2014/main" id="{3A4C1780-90E9-4BE4-81D6-0D0DFE23ED3C}"/>
+                </a:ext>
+              </a:extLst>
+            </p:cNvPr>
+            <p:cNvSpPr txBox="1"/>
+            <p:nvPr/>
+          </p:nvSpPr>
+          <p:spPr>
+            <a:xfrm>
+              <a:off x="3454006" y="5331162"/>
+              <a:ext cx="4881092" cy="369332"/>
+            </a:xfrm>
+            <a:prstGeom prst="rect">
+              <a:avLst/>
+            </a:prstGeom>
+            <a:noFill/>
+            <a:ln>
+              <a:solidFill>
+                <a:srgbClr val="FFC000"/>
+              </a:solidFill>
+            </a:ln>
+          </p:spPr>
+          <p:txBody>
+            <a:bodyPr wrap="square">
+              <a:spAutoFit/>
+            </a:bodyPr>
+            <a:lstStyle/>
+            <a:p>
+              <a:r>
+                <a:rPr lang="zh-CN" altLang="en-US" b="0" i="0" dirty="0">
+                  <a:solidFill>
+                    <a:srgbClr val="000000"/>
+                  </a:solidFill>
+                  <a:effectLst/>
+                  <a:latin typeface="-apple-system"/>
+                </a:rPr>
+                <a:t>什么都不知道的情况下，目标类别为</a:t>
+              </a:r>
+              <a:r>
+                <a:rPr lang="en-US" altLang="zh-CN" b="0" i="0" dirty="0">
+                  <a:solidFill>
+                    <a:srgbClr val="000000"/>
+                  </a:solidFill>
+                  <a:effectLst/>
+                  <a:latin typeface="-apple-system"/>
+                </a:rPr>
+                <a:t>y</a:t>
+              </a:r>
+              <a:r>
+                <a:rPr lang="zh-CN" altLang="en-US" b="0" i="0" dirty="0">
+                  <a:solidFill>
+                    <a:srgbClr val="000000"/>
+                  </a:solidFill>
+                  <a:effectLst/>
+                  <a:latin typeface="-apple-system"/>
+                </a:rPr>
+                <a:t>的概率</a:t>
+              </a:r>
+              <a:endParaRPr lang="zh-CN" altLang="en-US" dirty="0"/>
+            </a:p>
+          </p:txBody>
+        </p:sp>
+        <p:cxnSp>
+          <p:nvCxnSpPr>
+            <p:cNvPr id="9" name="直接箭头连接符 8">
+              <a:extLst>
+                <a:ext uri="{FF2B5EF4-FFF2-40B4-BE49-F238E27FC236}">
+                  <a16:creationId xmlns:a16="http://schemas.microsoft.com/office/drawing/2014/main" id="{1BDF69C1-B7D5-4333-9F38-F502C73113D4}"/>
+                </a:ext>
+              </a:extLst>
+            </p:cNvPr>
+            <p:cNvCxnSpPr>
+              <a:cxnSpLocks/>
+            </p:cNvCxnSpPr>
+            <p:nvPr/>
+          </p:nvCxnSpPr>
+          <p:spPr>
+            <a:xfrm flipH="1">
+              <a:off x="4294352" y="3606041"/>
+              <a:ext cx="579549" cy="1611165"/>
+            </a:xfrm>
+            <a:prstGeom prst="straightConnector1">
+              <a:avLst/>
+            </a:prstGeom>
+            <a:ln>
+              <a:tailEnd type="triangle"/>
+            </a:ln>
+          </p:spPr>
+          <p:style>
+            <a:lnRef idx="1">
+              <a:schemeClr val="dk1"/>
+            </a:lnRef>
+            <a:fillRef idx="0">
+              <a:schemeClr val="dk1"/>
+            </a:fillRef>
+            <a:effectRef idx="0">
+              <a:schemeClr val="dk1"/>
+            </a:effectRef>
+            <a:fontRef idx="minor">
+              <a:schemeClr val="tx1"/>
+            </a:fontRef>
+          </p:style>
+        </p:cxnSp>
+        <p:sp>
+          <p:nvSpPr>
+            <p:cNvPr id="19" name="文本框 18">
+              <a:extLst>
+                <a:ext uri="{FF2B5EF4-FFF2-40B4-BE49-F238E27FC236}">
+                  <a16:creationId xmlns:a16="http://schemas.microsoft.com/office/drawing/2014/main" id="{14CCE49F-F02A-4EFA-AFEF-5DC08CFDFEFB}"/>
+                </a:ext>
+              </a:extLst>
+            </p:cNvPr>
+            <p:cNvSpPr txBox="1"/>
+            <p:nvPr/>
+          </p:nvSpPr>
+          <p:spPr>
+            <a:xfrm>
+              <a:off x="5097205" y="5776839"/>
+              <a:ext cx="1235230" cy="369332"/>
+            </a:xfrm>
+            <a:prstGeom prst="rect">
+              <a:avLst/>
+            </a:prstGeom>
+            <a:noFill/>
+          </p:spPr>
+          <p:txBody>
+            <a:bodyPr wrap="square">
+              <a:spAutoFit/>
+            </a:bodyPr>
+            <a:lstStyle/>
+            <a:p>
+              <a:r>
+                <a:rPr lang="zh-CN" altLang="en-US" b="0" i="0" dirty="0">
+                  <a:solidFill>
+                    <a:srgbClr val="00D100"/>
+                  </a:solidFill>
+                  <a:effectLst/>
+                  <a:latin typeface="-apple-system"/>
+                </a:rPr>
+                <a:t>先验概率</a:t>
+              </a:r>
+              <a:endParaRPr lang="zh-CN" altLang="en-US" dirty="0"/>
+            </a:p>
+          </p:txBody>
+        </p:sp>
+        <p:sp>
+          <p:nvSpPr>
+            <p:cNvPr id="23" name="文本框 22">
+              <a:extLst>
+                <a:ext uri="{FF2B5EF4-FFF2-40B4-BE49-F238E27FC236}">
+                  <a16:creationId xmlns:a16="http://schemas.microsoft.com/office/drawing/2014/main" id="{FF8FBEB1-3EB8-4C5A-A60F-6A2D61F07A97}"/>
+                </a:ext>
+              </a:extLst>
+            </p:cNvPr>
+            <p:cNvSpPr txBox="1"/>
+            <p:nvPr/>
+          </p:nvSpPr>
+          <p:spPr>
+            <a:xfrm>
+              <a:off x="6332435" y="2528392"/>
+              <a:ext cx="4984124" cy="369332"/>
+            </a:xfrm>
+            <a:prstGeom prst="rect">
+              <a:avLst/>
+            </a:prstGeom>
+            <a:noFill/>
+            <a:ln>
+              <a:solidFill>
+                <a:srgbClr val="FFC000"/>
+              </a:solidFill>
+            </a:ln>
+          </p:spPr>
+          <p:txBody>
+            <a:bodyPr wrap="square">
+              <a:spAutoFit/>
+            </a:bodyPr>
+            <a:lstStyle/>
+            <a:p>
+              <a:r>
+                <a:rPr lang="zh-CN" altLang="en-US" b="0" i="0" dirty="0">
+                  <a:solidFill>
+                    <a:srgbClr val="333333"/>
+                  </a:solidFill>
+                  <a:effectLst/>
+                  <a:latin typeface="-apple-system"/>
+                </a:rPr>
+                <a:t>已知目标类别是</a:t>
+              </a:r>
+              <a:r>
+                <a:rPr lang="en-US" altLang="zh-CN" b="0" i="0" dirty="0">
+                  <a:solidFill>
+                    <a:srgbClr val="333333"/>
+                  </a:solidFill>
+                  <a:effectLst/>
+                  <a:latin typeface="-apple-system"/>
+                </a:rPr>
+                <a:t>y</a:t>
+              </a:r>
+              <a:r>
+                <a:rPr lang="zh-CN" altLang="en-US" b="0" i="0" dirty="0">
+                  <a:solidFill>
+                    <a:srgbClr val="333333"/>
+                  </a:solidFill>
+                  <a:effectLst/>
+                  <a:latin typeface="-apple-system"/>
+                </a:rPr>
+                <a:t>的情况下，特征的值为</a:t>
+              </a:r>
+              <a:r>
+                <a:rPr lang="en-US" altLang="zh-CN" b="0" i="0" dirty="0">
+                  <a:solidFill>
+                    <a:srgbClr val="333333"/>
+                  </a:solidFill>
+                  <a:effectLst/>
+                  <a:latin typeface="-apple-system"/>
+                </a:rPr>
+                <a:t>X</a:t>
+              </a:r>
+              <a:r>
+                <a:rPr lang="zh-CN" altLang="en-US" b="0" i="0" dirty="0">
+                  <a:solidFill>
+                    <a:srgbClr val="333333"/>
+                  </a:solidFill>
+                  <a:effectLst/>
+                  <a:latin typeface="-apple-system"/>
+                </a:rPr>
+                <a:t>的概率</a:t>
+              </a:r>
+              <a:endParaRPr lang="zh-CN" altLang="en-US" dirty="0"/>
+            </a:p>
+          </p:txBody>
+        </p:sp>
+        <p:sp>
+          <p:nvSpPr>
+            <p:cNvPr id="25" name="文本框 24">
+              <a:extLst>
+                <a:ext uri="{FF2B5EF4-FFF2-40B4-BE49-F238E27FC236}">
+                  <a16:creationId xmlns:a16="http://schemas.microsoft.com/office/drawing/2014/main" id="{F5EE3000-DB03-467A-8690-AA259FE92C5C}"/>
+                </a:ext>
+              </a:extLst>
+            </p:cNvPr>
+            <p:cNvSpPr txBox="1"/>
+            <p:nvPr/>
+          </p:nvSpPr>
+          <p:spPr>
+            <a:xfrm>
+              <a:off x="8036203" y="2102082"/>
+              <a:ext cx="1423652" cy="369332"/>
+            </a:xfrm>
+            <a:prstGeom prst="rect">
+              <a:avLst/>
+            </a:prstGeom>
+            <a:noFill/>
+          </p:spPr>
+          <p:txBody>
+            <a:bodyPr wrap="square">
+              <a:spAutoFit/>
+            </a:bodyPr>
+            <a:lstStyle/>
+            <a:p>
+              <a:r>
+                <a:rPr lang="zh-CN" altLang="en-US" b="0" i="0" dirty="0">
+                  <a:solidFill>
+                    <a:srgbClr val="00D100"/>
+                  </a:solidFill>
+                  <a:effectLst/>
+                  <a:latin typeface="-apple-system"/>
+                </a:rPr>
+                <a:t>似然函数</a:t>
+              </a:r>
+              <a:endParaRPr lang="zh-CN" altLang="en-US" dirty="0"/>
+            </a:p>
+          </p:txBody>
+        </p:sp>
+        <p:sp>
+          <p:nvSpPr>
+            <p:cNvPr id="26" name="文本框 25">
+              <a:extLst>
+                <a:ext uri="{FF2B5EF4-FFF2-40B4-BE49-F238E27FC236}">
+                  <a16:creationId xmlns:a16="http://schemas.microsoft.com/office/drawing/2014/main" id="{CD3B0AAF-E483-4F89-9F3A-CDB9FE4C0ABC}"/>
+                </a:ext>
+              </a:extLst>
+            </p:cNvPr>
+            <p:cNvSpPr txBox="1"/>
+            <p:nvPr/>
+          </p:nvSpPr>
+          <p:spPr>
+            <a:xfrm>
+              <a:off x="6525088" y="4288704"/>
+              <a:ext cx="4791471" cy="369332"/>
+            </a:xfrm>
+            <a:prstGeom prst="rect">
+              <a:avLst/>
+            </a:prstGeom>
+            <a:noFill/>
+            <a:ln>
+              <a:solidFill>
+                <a:srgbClr val="FFC000"/>
+              </a:solidFill>
+            </a:ln>
+          </p:spPr>
+          <p:txBody>
+            <a:bodyPr wrap="square">
+              <a:spAutoFit/>
+            </a:bodyPr>
+            <a:lstStyle/>
+            <a:p>
+              <a:r>
+                <a:rPr lang="zh-CN" altLang="en-US" b="0" i="0" dirty="0">
+                  <a:solidFill>
+                    <a:srgbClr val="333333"/>
+                  </a:solidFill>
+                  <a:effectLst/>
+                  <a:latin typeface="-apple-system"/>
+                </a:rPr>
+                <a:t>什么都不知道的情况下，特征的值为</a:t>
+              </a:r>
+              <a:r>
+                <a:rPr lang="en-US" altLang="zh-CN" b="0" i="0" dirty="0">
+                  <a:solidFill>
+                    <a:srgbClr val="333333"/>
+                  </a:solidFill>
+                  <a:effectLst/>
+                  <a:latin typeface="-apple-system"/>
+                </a:rPr>
+                <a:t>X</a:t>
+              </a:r>
+              <a:r>
+                <a:rPr lang="zh-CN" altLang="en-US" b="0" i="0" dirty="0">
+                  <a:solidFill>
+                    <a:srgbClr val="333333"/>
+                  </a:solidFill>
+                  <a:effectLst/>
+                  <a:latin typeface="-apple-system"/>
+                </a:rPr>
+                <a:t>的概率</a:t>
+              </a:r>
+              <a:endParaRPr lang="zh-CN" altLang="en-US" dirty="0"/>
+            </a:p>
+          </p:txBody>
+        </p:sp>
+        <p:cxnSp>
+          <p:nvCxnSpPr>
+            <p:cNvPr id="27" name="直接箭头连接符 26">
+              <a:extLst>
+                <a:ext uri="{FF2B5EF4-FFF2-40B4-BE49-F238E27FC236}">
+                  <a16:creationId xmlns:a16="http://schemas.microsoft.com/office/drawing/2014/main" id="{78A4EA29-A5C7-4FBC-9097-E817D996059F}"/>
+                </a:ext>
+              </a:extLst>
+            </p:cNvPr>
+            <p:cNvCxnSpPr/>
+            <p:nvPr/>
+          </p:nvCxnSpPr>
+          <p:spPr>
+            <a:xfrm flipV="1">
+              <a:off x="6210085" y="2900263"/>
+              <a:ext cx="901521" cy="158949"/>
+            </a:xfrm>
+            <a:prstGeom prst="straightConnector1">
+              <a:avLst/>
+            </a:prstGeom>
+            <a:ln>
+              <a:tailEnd type="triangle"/>
+            </a:ln>
+          </p:spPr>
+          <p:style>
+            <a:lnRef idx="1">
+              <a:schemeClr val="dk1"/>
+            </a:lnRef>
+            <a:fillRef idx="0">
+              <a:schemeClr val="dk1"/>
+            </a:fillRef>
+            <a:effectRef idx="0">
+              <a:schemeClr val="dk1"/>
+            </a:effectRef>
+            <a:fontRef idx="minor">
+              <a:schemeClr val="tx1"/>
+            </a:fontRef>
+          </p:style>
+        </p:cxnSp>
+        <p:cxnSp>
+          <p:nvCxnSpPr>
+            <p:cNvPr id="29" name="直接箭头连接符 28">
+              <a:extLst>
+                <a:ext uri="{FF2B5EF4-FFF2-40B4-BE49-F238E27FC236}">
+                  <a16:creationId xmlns:a16="http://schemas.microsoft.com/office/drawing/2014/main" id="{A9F26BF1-3C5F-4BDC-9768-B3D707C9280F}"/>
+                </a:ext>
+              </a:extLst>
+            </p:cNvPr>
+            <p:cNvCxnSpPr/>
+            <p:nvPr/>
+          </p:nvCxnSpPr>
+          <p:spPr>
+            <a:xfrm>
+              <a:off x="6210085" y="3886200"/>
+              <a:ext cx="650586" cy="342470"/>
+            </a:xfrm>
+            <a:prstGeom prst="straightConnector1">
+              <a:avLst/>
+            </a:prstGeom>
+            <a:ln>
+              <a:tailEnd type="triangle"/>
+            </a:ln>
+          </p:spPr>
+          <p:style>
+            <a:lnRef idx="1">
+              <a:schemeClr val="dk1"/>
+            </a:lnRef>
+            <a:fillRef idx="0">
+              <a:schemeClr val="dk1"/>
+            </a:fillRef>
+            <a:effectRef idx="0">
+              <a:schemeClr val="dk1"/>
+            </a:effectRef>
+            <a:fontRef idx="minor">
+              <a:schemeClr val="tx1"/>
+            </a:fontRef>
+          </p:style>
+        </p:cxnSp>
+        <p:sp>
+          <p:nvSpPr>
+            <p:cNvPr id="31" name="文本框 30">
+              <a:extLst>
+                <a:ext uri="{FF2B5EF4-FFF2-40B4-BE49-F238E27FC236}">
+                  <a16:creationId xmlns:a16="http://schemas.microsoft.com/office/drawing/2014/main" id="{D4BA8D26-0BA6-48DC-BBEE-2548044E0506}"/>
+                </a:ext>
+              </a:extLst>
+            </p:cNvPr>
+            <p:cNvSpPr txBox="1"/>
+            <p:nvPr/>
+          </p:nvSpPr>
+          <p:spPr>
+            <a:xfrm>
+              <a:off x="7913518" y="3791334"/>
+              <a:ext cx="2087497" cy="369332"/>
+            </a:xfrm>
+            <a:prstGeom prst="rect">
+              <a:avLst/>
+            </a:prstGeom>
+            <a:noFill/>
+          </p:spPr>
+          <p:txBody>
+            <a:bodyPr wrap="square">
+              <a:spAutoFit/>
+            </a:bodyPr>
+            <a:lstStyle/>
+            <a:p>
+              <a:r>
+                <a:rPr lang="zh-CN" altLang="en-US" b="0" i="0" dirty="0">
+                  <a:solidFill>
+                    <a:srgbClr val="00B050"/>
+                  </a:solidFill>
+                  <a:effectLst/>
+                  <a:latin typeface="-apple-system"/>
+                </a:rPr>
+                <a:t>特征</a:t>
+              </a:r>
+              <a:r>
+                <a:rPr lang="en-US" altLang="zh-CN" b="0" i="0" dirty="0">
+                  <a:solidFill>
+                    <a:srgbClr val="00B050"/>
+                  </a:solidFill>
+                  <a:effectLst/>
+                  <a:latin typeface="-apple-system"/>
+                </a:rPr>
+                <a:t>X</a:t>
+              </a:r>
+              <a:r>
+                <a:rPr lang="zh-CN" altLang="en-US" b="0" i="0" dirty="0">
+                  <a:solidFill>
+                    <a:srgbClr val="00B050"/>
+                  </a:solidFill>
+                  <a:effectLst/>
+                  <a:latin typeface="-apple-system"/>
+                </a:rPr>
+                <a:t>的先验概率</a:t>
+              </a:r>
+              <a:endParaRPr lang="zh-CN" altLang="en-US" dirty="0">
+                <a:solidFill>
+                  <a:srgbClr val="00B050"/>
+                </a:solidFill>
+              </a:endParaRPr>
+            </a:p>
+          </p:txBody>
+        </p:sp>
+      </p:grpSp>
+      <p:sp>
+        <p:nvSpPr>
+          <p:cNvPr id="20" name="文本框 19">
+            <a:extLst>
+              <a:ext uri="{FF2B5EF4-FFF2-40B4-BE49-F238E27FC236}">
+                <a16:creationId xmlns:a16="http://schemas.microsoft.com/office/drawing/2014/main" id="{795B9495-663F-4D33-B444-7AA621B5D952}"/>
+              </a:ext>
+            </a:extLst>
+          </p:cNvPr>
+          <p:cNvSpPr txBox="1"/>
+          <p:nvPr/>
+        </p:nvSpPr>
+        <p:spPr>
+          <a:xfrm>
+            <a:off x="9298066" y="111199"/>
+            <a:ext cx="2168852" cy="369332"/>
+          </a:xfrm>
+          <a:prstGeom prst="rect">
+            <a:avLst/>
+          </a:prstGeom>
+          <a:noFill/>
+        </p:spPr>
+        <p:txBody>
+          <a:bodyPr wrap="square">
+            <a:spAutoFit/>
+          </a:bodyPr>
+          <a:lstStyle/>
+          <a:p>
+            <a:pPr algn="ctr"/>
+            <a:r>
+              <a:rPr lang="zh-CN" altLang="en-US" b="1" dirty="0">
+                <a:solidFill>
+                  <a:schemeClr val="tx1"/>
+                </a:solidFill>
+              </a:rPr>
+              <a:t>朴素贝叶斯</a:t>
+            </a:r>
+          </a:p>
+        </p:txBody>
+      </p:sp>
+    </p:spTree>
+    <p:extLst>
+      <p:ext uri="{BB962C8B-B14F-4D97-AF65-F5344CB8AC3E}">
+        <p14:creationId xmlns:p14="http://schemas.microsoft.com/office/powerpoint/2010/main" val="2415960678"/>
+      </p:ext>
+    </p:extLst>
+  </p:cSld>
+  <p:clrMapOvr>
+    <a:masterClrMapping/>
+  </p:clrMapOvr>
+</p:sld>
+</file>
+
+<file path=ppt/slides/slide3.xml><?xml version="1.0" encoding="utf-8"?>
+<p:sld xmlns:a="http://schemas.openxmlformats.org/drawingml/2006/main" xmlns:r="http://schemas.openxmlformats.org/officeDocument/2006/relationships" xmlns:p="http://schemas.openxmlformats.org/presentationml/2006/main">
+  <p:cSld>
+    <p:spTree>
+      <p:nvGrpSpPr>
+        <p:cNvPr id="1" name=""/>
+        <p:cNvGrpSpPr/>
+        <p:nvPr/>
+      </p:nvGrpSpPr>
+      <p:grpSpPr>
+        <a:xfrm>
+          <a:off x="0" y="0"/>
+          <a:ext cx="0" cy="0"/>
+          <a:chOff x="0" y="0"/>
+          <a:chExt cx="0" cy="0"/>
+        </a:xfrm>
+      </p:grpSpPr>
+      <p:sp>
+        <p:nvSpPr>
+          <p:cNvPr id="59" name="矩形 58">
+            <a:extLst>
+              <a:ext uri="{FF2B5EF4-FFF2-40B4-BE49-F238E27FC236}">
+                <a16:creationId xmlns:a16="http://schemas.microsoft.com/office/drawing/2014/main" id="{72F7A17A-0044-4365-A812-5A407EF29DFB}"/>
+              </a:ext>
+            </a:extLst>
+          </p:cNvPr>
+          <p:cNvSpPr/>
+          <p:nvPr/>
+        </p:nvSpPr>
+        <p:spPr>
+          <a:xfrm>
+            <a:off x="5976311" y="5442147"/>
+            <a:ext cx="5308539" cy="1345137"/>
+          </a:xfrm>
+          <a:prstGeom prst="rect">
+            <a:avLst/>
+          </a:prstGeom>
+          <a:noFill/>
+          <a:ln w="22225">
+            <a:solidFill>
+              <a:srgbClr val="00B0F0"/>
+            </a:solidFill>
+            <a:prstDash val="dash"/>
+          </a:ln>
+        </p:spPr>
+        <p:style>
+          <a:lnRef idx="2">
+            <a:schemeClr val="accent1">
+              <a:shade val="50000"/>
+            </a:schemeClr>
+          </a:lnRef>
+          <a:fillRef idx="1">
+            <a:schemeClr val="accent1"/>
+          </a:fillRef>
+          <a:effectRef idx="0">
+            <a:schemeClr val="accent1"/>
+          </a:effectRef>
+          <a:fontRef idx="minor">
+            <a:schemeClr val="lt1"/>
+          </a:fontRef>
+        </p:style>
+        <p:txBody>
+          <a:bodyPr rtlCol="0" anchor="ctr"/>
+          <a:lstStyle/>
+          <a:p>
+            <a:pPr algn="ctr"/>
+            <a:endParaRPr lang="zh-CN" altLang="en-US"/>
+          </a:p>
+        </p:txBody>
+      </p:sp>
       <p:grpSp>
         <p:nvGrpSpPr>
           <p:cNvPr id="4" name="组合 3">
@@ -4335,814 +5353,57 @@
       </p:grpSp>
       <p:pic>
         <p:nvPicPr>
-          <p:cNvPr id="3" name="图片 2">
-            <a:extLst>
-              <a:ext uri="{FF2B5EF4-FFF2-40B4-BE49-F238E27FC236}">
-                <a16:creationId xmlns:a16="http://schemas.microsoft.com/office/drawing/2014/main" id="{45E69508-CDF4-402C-A02D-7B0F17D6DB10}"/>
+          <p:cNvPr id="1026" name="Picture 2">
+            <a:extLst>
+              <a:ext uri="{FF2B5EF4-FFF2-40B4-BE49-F238E27FC236}">
+                <a16:creationId xmlns:a16="http://schemas.microsoft.com/office/drawing/2014/main" id="{5F0E85A8-C932-45CC-B9AC-A48038B62E6E}"/>
               </a:ext>
             </a:extLst>
           </p:cNvPr>
           <p:cNvPicPr>
-            <a:picLocks noChangeAspect="1"/>
+            <a:picLocks noChangeAspect="1" noChangeArrowheads="1"/>
           </p:cNvPicPr>
           <p:nvPr/>
         </p:nvPicPr>
         <p:blipFill>
-          <a:blip r:embed="rId2"/>
+          <a:blip r:embed="rId2">
+            <a:extLst>
+              <a:ext uri="{28A0092B-C50C-407E-A947-70E740481C1C}">
+                <a14:useLocalDpi xmlns:a14="http://schemas.microsoft.com/office/drawing/2010/main" val="0"/>
+              </a:ext>
+            </a:extLst>
+          </a:blip>
+          <a:srcRect/>
           <a:stretch>
             <a:fillRect/>
           </a:stretch>
         </p:blipFill>
-        <p:spPr>
+        <p:spPr bwMode="auto">
           <a:xfrm>
-            <a:off x="3427861" y="851481"/>
-            <a:ext cx="4022568" cy="1298385"/>
-          </a:xfrm>
-          <a:prstGeom prst="rect">
-            <a:avLst/>
-          </a:prstGeom>
-        </p:spPr>
-      </p:pic>
-      <p:pic>
-        <p:nvPicPr>
-          <p:cNvPr id="11" name="图片 10">
-            <a:extLst>
-              <a:ext uri="{FF2B5EF4-FFF2-40B4-BE49-F238E27FC236}">
-                <a16:creationId xmlns:a16="http://schemas.microsoft.com/office/drawing/2014/main" id="{43E85052-CFB9-494B-8FAA-E82005E888D6}"/>
-              </a:ext>
-            </a:extLst>
-          </p:cNvPr>
-          <p:cNvPicPr>
-            <a:picLocks noChangeAspect="1"/>
-          </p:cNvPicPr>
-          <p:nvPr/>
-        </p:nvPicPr>
-        <p:blipFill>
-          <a:blip r:embed="rId3"/>
-          <a:stretch>
-            <a:fillRect/>
-          </a:stretch>
-        </p:blipFill>
-        <p:spPr>
-          <a:xfrm>
-            <a:off x="3427861" y="2620850"/>
-            <a:ext cx="4248150" cy="1371600"/>
-          </a:xfrm>
-          <a:prstGeom prst="rect">
-            <a:avLst/>
-          </a:prstGeom>
-        </p:spPr>
-      </p:pic>
-      <p:sp>
-        <p:nvSpPr>
-          <p:cNvPr id="15" name="箭头: 下 14">
-            <a:extLst>
-              <a:ext uri="{FF2B5EF4-FFF2-40B4-BE49-F238E27FC236}">
-                <a16:creationId xmlns:a16="http://schemas.microsoft.com/office/drawing/2014/main" id="{4689C0C6-6EE7-46BD-A657-9D8610C86585}"/>
-              </a:ext>
-            </a:extLst>
-          </p:cNvPr>
-          <p:cNvSpPr/>
-          <p:nvPr/>
-        </p:nvSpPr>
-        <p:spPr>
-          <a:xfrm>
-            <a:off x="5235262" y="2117505"/>
-            <a:ext cx="328411" cy="612652"/>
-          </a:xfrm>
-          <a:prstGeom prst="downArrow">
-            <a:avLst/>
-          </a:prstGeom>
-          <a:solidFill>
-            <a:srgbClr val="FF0000"/>
-          </a:solidFill>
-          <a:ln>
-            <a:solidFill>
-              <a:schemeClr val="tx1"/>
-            </a:solidFill>
-          </a:ln>
-        </p:spPr>
-        <p:style>
-          <a:lnRef idx="2">
-            <a:schemeClr val="accent1">
-              <a:shade val="50000"/>
-            </a:schemeClr>
-          </a:lnRef>
-          <a:fillRef idx="1">
-            <a:schemeClr val="accent1"/>
-          </a:fillRef>
-          <a:effectRef idx="0">
-            <a:schemeClr val="accent1"/>
-          </a:effectRef>
-          <a:fontRef idx="minor">
-            <a:schemeClr val="lt1"/>
-          </a:fontRef>
-        </p:style>
-        <p:txBody>
-          <a:bodyPr rtlCol="0" anchor="ctr"/>
-          <a:lstStyle/>
-          <a:p>
-            <a:pPr algn="ctr"/>
-            <a:endParaRPr lang="zh-CN" altLang="en-US"/>
-          </a:p>
-        </p:txBody>
-      </p:sp>
-      <p:sp>
-        <p:nvSpPr>
-          <p:cNvPr id="21" name="文本框 20">
-            <a:extLst>
-              <a:ext uri="{FF2B5EF4-FFF2-40B4-BE49-F238E27FC236}">
-                <a16:creationId xmlns:a16="http://schemas.microsoft.com/office/drawing/2014/main" id="{FA4C69DB-2A3F-4812-9188-961F6F95B52F}"/>
-              </a:ext>
-            </a:extLst>
-          </p:cNvPr>
-          <p:cNvSpPr txBox="1"/>
-          <p:nvPr/>
-        </p:nvSpPr>
-        <p:spPr>
-          <a:xfrm>
-            <a:off x="1322166" y="4171612"/>
-            <a:ext cx="2105695" cy="923330"/>
+            <a:off x="535729" y="816404"/>
+            <a:ext cx="4334373" cy="3250780"/>
           </a:xfrm>
           <a:prstGeom prst="rect">
             <a:avLst/>
           </a:prstGeom>
           <a:noFill/>
-          <a:ln w="19050">
-            <a:solidFill>
-              <a:schemeClr val="accent5"/>
-            </a:solidFill>
-          </a:ln>
+          <a:extLst>
+            <a:ext uri="{909E8E84-426E-40DD-AFC4-6F175D3DCCD1}">
+              <a14:hiddenFill xmlns:a14="http://schemas.microsoft.com/office/drawing/2010/main">
+                <a:solidFill>
+                  <a:srgbClr val="FFFFFF"/>
+                </a:solidFill>
+              </a14:hiddenFill>
+            </a:ext>
+          </a:extLst>
         </p:spPr>
-        <p:txBody>
-          <a:bodyPr wrap="square">
-            <a:spAutoFit/>
-          </a:bodyPr>
-          <a:lstStyle/>
-          <a:p>
-            <a:r>
-              <a:rPr lang="zh-CN" altLang="en-US" b="0" i="0" dirty="0">
-                <a:solidFill>
-                  <a:srgbClr val="333333"/>
-                </a:solidFill>
-                <a:effectLst/>
-                <a:latin typeface="-apple-system"/>
-              </a:rPr>
-              <a:t>已知样本特征的值为</a:t>
-            </a:r>
-            <a:r>
-              <a:rPr lang="en-US" altLang="zh-CN" b="0" i="0" dirty="0">
-                <a:solidFill>
-                  <a:srgbClr val="333333"/>
-                </a:solidFill>
-                <a:effectLst/>
-                <a:latin typeface="-apple-system"/>
-              </a:rPr>
-              <a:t>X</a:t>
-            </a:r>
-            <a:r>
-              <a:rPr lang="zh-CN" altLang="en-US" b="0" i="0" dirty="0">
-                <a:solidFill>
-                  <a:srgbClr val="333333"/>
-                </a:solidFill>
-                <a:effectLst/>
-                <a:latin typeface="-apple-system"/>
-              </a:rPr>
-              <a:t>的情况下，目标类别为</a:t>
-            </a:r>
-            <a:r>
-              <a:rPr lang="en-US" altLang="zh-CN" b="0" i="0" dirty="0">
-                <a:solidFill>
-                  <a:srgbClr val="333333"/>
-                </a:solidFill>
-                <a:effectLst/>
-                <a:latin typeface="-apple-system"/>
-              </a:rPr>
-              <a:t>y</a:t>
-            </a:r>
-            <a:r>
-              <a:rPr lang="zh-CN" altLang="en-US" b="0" i="0" dirty="0">
-                <a:solidFill>
-                  <a:srgbClr val="333333"/>
-                </a:solidFill>
-                <a:effectLst/>
-                <a:latin typeface="-apple-system"/>
-              </a:rPr>
-              <a:t>的概率</a:t>
-            </a:r>
-            <a:endParaRPr lang="zh-CN" altLang="en-US" dirty="0"/>
-          </a:p>
-        </p:txBody>
-      </p:sp>
-      <p:sp>
-        <p:nvSpPr>
-          <p:cNvPr id="22" name="文本框 21">
-            <a:extLst>
-              <a:ext uri="{FF2B5EF4-FFF2-40B4-BE49-F238E27FC236}">
-                <a16:creationId xmlns:a16="http://schemas.microsoft.com/office/drawing/2014/main" id="{3FE1C16E-F1C3-4706-A9AB-0006B216BF28}"/>
-              </a:ext>
-            </a:extLst>
-          </p:cNvPr>
-          <p:cNvSpPr txBox="1"/>
-          <p:nvPr/>
-        </p:nvSpPr>
-        <p:spPr>
-          <a:xfrm>
-            <a:off x="1830089" y="5179062"/>
-            <a:ext cx="1255690" cy="369332"/>
-          </a:xfrm>
-          <a:prstGeom prst="rect">
-            <a:avLst/>
-          </a:prstGeom>
-          <a:noFill/>
-        </p:spPr>
-        <p:txBody>
-          <a:bodyPr wrap="square">
-            <a:spAutoFit/>
-          </a:bodyPr>
-          <a:lstStyle/>
-          <a:p>
-            <a:r>
-              <a:rPr lang="zh-CN" altLang="en-US" b="0" i="0" dirty="0">
-                <a:solidFill>
-                  <a:srgbClr val="00D100"/>
-                </a:solidFill>
-                <a:effectLst/>
-                <a:latin typeface="-apple-system"/>
-              </a:rPr>
-              <a:t>后验概率</a:t>
-            </a:r>
-            <a:endParaRPr lang="zh-CN" altLang="en-US" dirty="0"/>
-          </a:p>
-        </p:txBody>
-      </p:sp>
-      <p:cxnSp>
-        <p:nvCxnSpPr>
-          <p:cNvPr id="24" name="直接箭头连接符 23">
-            <a:extLst>
-              <a:ext uri="{FF2B5EF4-FFF2-40B4-BE49-F238E27FC236}">
-                <a16:creationId xmlns:a16="http://schemas.microsoft.com/office/drawing/2014/main" id="{B320183D-7C4C-4F58-AA46-7371D7A126A6}"/>
-              </a:ext>
-            </a:extLst>
-          </p:cNvPr>
-          <p:cNvCxnSpPr>
-            <a:endCxn id="21" idx="0"/>
-          </p:cNvCxnSpPr>
-          <p:nvPr/>
-        </p:nvCxnSpPr>
-        <p:spPr>
-          <a:xfrm flipH="1">
-            <a:off x="2375014" y="3649980"/>
-            <a:ext cx="1244486" cy="521632"/>
-          </a:xfrm>
-          <a:prstGeom prst="straightConnector1">
-            <a:avLst/>
-          </a:prstGeom>
-          <a:ln w="19050">
-            <a:tailEnd type="triangle"/>
-          </a:ln>
-        </p:spPr>
-        <p:style>
-          <a:lnRef idx="1">
-            <a:schemeClr val="dk1"/>
-          </a:lnRef>
-          <a:fillRef idx="0">
-            <a:schemeClr val="dk1"/>
-          </a:fillRef>
-          <a:effectRef idx="0">
-            <a:schemeClr val="dk1"/>
-          </a:effectRef>
-          <a:fontRef idx="minor">
-            <a:schemeClr val="tx1"/>
-          </a:fontRef>
-        </p:style>
-      </p:cxnSp>
-      <p:sp>
-        <p:nvSpPr>
-          <p:cNvPr id="14" name="文本框 13">
-            <a:extLst>
-              <a:ext uri="{FF2B5EF4-FFF2-40B4-BE49-F238E27FC236}">
-                <a16:creationId xmlns:a16="http://schemas.microsoft.com/office/drawing/2014/main" id="{3A4C1780-90E9-4BE4-81D6-0D0DFE23ED3C}"/>
-              </a:ext>
-            </a:extLst>
-          </p:cNvPr>
-          <p:cNvSpPr txBox="1"/>
-          <p:nvPr/>
-        </p:nvSpPr>
-        <p:spPr>
-          <a:xfrm>
-            <a:off x="4269346" y="5094942"/>
-            <a:ext cx="4881092" cy="369332"/>
-          </a:xfrm>
-          <a:prstGeom prst="rect">
-            <a:avLst/>
-          </a:prstGeom>
-          <a:noFill/>
-          <a:ln>
-            <a:solidFill>
-              <a:srgbClr val="FFC000"/>
-            </a:solidFill>
-          </a:ln>
-        </p:spPr>
-        <p:txBody>
-          <a:bodyPr wrap="square">
-            <a:spAutoFit/>
-          </a:bodyPr>
-          <a:lstStyle/>
-          <a:p>
-            <a:r>
-              <a:rPr lang="zh-CN" altLang="en-US" b="0" i="0" dirty="0">
-                <a:solidFill>
-                  <a:srgbClr val="000000"/>
-                </a:solidFill>
-                <a:effectLst/>
-                <a:latin typeface="-apple-system"/>
-              </a:rPr>
-              <a:t>什么都不知道的情况下，目标类别为</a:t>
-            </a:r>
-            <a:r>
-              <a:rPr lang="en-US" altLang="zh-CN" b="0" i="0" dirty="0">
-                <a:solidFill>
-                  <a:srgbClr val="000000"/>
-                </a:solidFill>
-                <a:effectLst/>
-                <a:latin typeface="-apple-system"/>
-              </a:rPr>
-              <a:t>y</a:t>
-            </a:r>
-            <a:r>
-              <a:rPr lang="zh-CN" altLang="en-US" b="0" i="0" dirty="0">
-                <a:solidFill>
-                  <a:srgbClr val="000000"/>
-                </a:solidFill>
-                <a:effectLst/>
-                <a:latin typeface="-apple-system"/>
-              </a:rPr>
-              <a:t>的概率</a:t>
-            </a:r>
-            <a:endParaRPr lang="zh-CN" altLang="en-US" dirty="0"/>
-          </a:p>
-        </p:txBody>
-      </p:sp>
-      <p:cxnSp>
-        <p:nvCxnSpPr>
-          <p:cNvPr id="9" name="直接箭头连接符 8">
-            <a:extLst>
-              <a:ext uri="{FF2B5EF4-FFF2-40B4-BE49-F238E27FC236}">
-                <a16:creationId xmlns:a16="http://schemas.microsoft.com/office/drawing/2014/main" id="{1BDF69C1-B7D5-4333-9F38-F502C73113D4}"/>
-              </a:ext>
-            </a:extLst>
-          </p:cNvPr>
-          <p:cNvCxnSpPr>
-            <a:cxnSpLocks/>
-          </p:cNvCxnSpPr>
-          <p:nvPr/>
-        </p:nvCxnSpPr>
-        <p:spPr>
-          <a:xfrm flipH="1">
-            <a:off x="5109692" y="3369821"/>
-            <a:ext cx="579549" cy="1611165"/>
-          </a:xfrm>
-          <a:prstGeom prst="straightConnector1">
-            <a:avLst/>
-          </a:prstGeom>
-          <a:ln>
-            <a:tailEnd type="triangle"/>
-          </a:ln>
-        </p:spPr>
-        <p:style>
-          <a:lnRef idx="1">
-            <a:schemeClr val="dk1"/>
-          </a:lnRef>
-          <a:fillRef idx="0">
-            <a:schemeClr val="dk1"/>
-          </a:fillRef>
-          <a:effectRef idx="0">
-            <a:schemeClr val="dk1"/>
-          </a:effectRef>
-          <a:fontRef idx="minor">
-            <a:schemeClr val="tx1"/>
-          </a:fontRef>
-        </p:style>
-      </p:cxnSp>
-      <p:sp>
-        <p:nvSpPr>
-          <p:cNvPr id="19" name="文本框 18">
-            <a:extLst>
-              <a:ext uri="{FF2B5EF4-FFF2-40B4-BE49-F238E27FC236}">
-                <a16:creationId xmlns:a16="http://schemas.microsoft.com/office/drawing/2014/main" id="{14CCE49F-F02A-4EFA-AFEF-5DC08CFDFEFB}"/>
-              </a:ext>
-            </a:extLst>
-          </p:cNvPr>
-          <p:cNvSpPr txBox="1"/>
-          <p:nvPr/>
-        </p:nvSpPr>
-        <p:spPr>
-          <a:xfrm>
-            <a:off x="5912545" y="5540619"/>
-            <a:ext cx="1235230" cy="369332"/>
-          </a:xfrm>
-          <a:prstGeom prst="rect">
-            <a:avLst/>
-          </a:prstGeom>
-          <a:noFill/>
-        </p:spPr>
-        <p:txBody>
-          <a:bodyPr wrap="square">
-            <a:spAutoFit/>
-          </a:bodyPr>
-          <a:lstStyle/>
-          <a:p>
-            <a:r>
-              <a:rPr lang="zh-CN" altLang="en-US" b="0" i="0" dirty="0">
-                <a:solidFill>
-                  <a:srgbClr val="00D100"/>
-                </a:solidFill>
-                <a:effectLst/>
-                <a:latin typeface="-apple-system"/>
-              </a:rPr>
-              <a:t>先验概率</a:t>
-            </a:r>
-            <a:endParaRPr lang="zh-CN" altLang="en-US" dirty="0"/>
-          </a:p>
-        </p:txBody>
-      </p:sp>
-      <p:sp>
-        <p:nvSpPr>
-          <p:cNvPr id="23" name="文本框 22">
-            <a:extLst>
-              <a:ext uri="{FF2B5EF4-FFF2-40B4-BE49-F238E27FC236}">
-                <a16:creationId xmlns:a16="http://schemas.microsoft.com/office/drawing/2014/main" id="{FF8FBEB1-3EB8-4C5A-A60F-6A2D61F07A97}"/>
-              </a:ext>
-            </a:extLst>
-          </p:cNvPr>
-          <p:cNvSpPr txBox="1"/>
-          <p:nvPr/>
-        </p:nvSpPr>
-        <p:spPr>
-          <a:xfrm>
-            <a:off x="7147775" y="2292172"/>
-            <a:ext cx="4984124" cy="369332"/>
-          </a:xfrm>
-          <a:prstGeom prst="rect">
-            <a:avLst/>
-          </a:prstGeom>
-          <a:noFill/>
-          <a:ln>
-            <a:solidFill>
-              <a:srgbClr val="FFC000"/>
-            </a:solidFill>
-          </a:ln>
-        </p:spPr>
-        <p:txBody>
-          <a:bodyPr wrap="square">
-            <a:spAutoFit/>
-          </a:bodyPr>
-          <a:lstStyle/>
-          <a:p>
-            <a:r>
-              <a:rPr lang="zh-CN" altLang="en-US" b="0" i="0" dirty="0">
-                <a:solidFill>
-                  <a:srgbClr val="333333"/>
-                </a:solidFill>
-                <a:effectLst/>
-                <a:latin typeface="-apple-system"/>
-              </a:rPr>
-              <a:t>已知目标类别是</a:t>
-            </a:r>
-            <a:r>
-              <a:rPr lang="en-US" altLang="zh-CN" b="0" i="0" dirty="0">
-                <a:solidFill>
-                  <a:srgbClr val="333333"/>
-                </a:solidFill>
-                <a:effectLst/>
-                <a:latin typeface="-apple-system"/>
-              </a:rPr>
-              <a:t>y</a:t>
-            </a:r>
-            <a:r>
-              <a:rPr lang="zh-CN" altLang="en-US" b="0" i="0" dirty="0">
-                <a:solidFill>
-                  <a:srgbClr val="333333"/>
-                </a:solidFill>
-                <a:effectLst/>
-                <a:latin typeface="-apple-system"/>
-              </a:rPr>
-              <a:t>的情况下，特征的值为</a:t>
-            </a:r>
-            <a:r>
-              <a:rPr lang="en-US" altLang="zh-CN" b="0" i="0" dirty="0">
-                <a:solidFill>
-                  <a:srgbClr val="333333"/>
-                </a:solidFill>
-                <a:effectLst/>
-                <a:latin typeface="-apple-system"/>
-              </a:rPr>
-              <a:t>X</a:t>
-            </a:r>
-            <a:r>
-              <a:rPr lang="zh-CN" altLang="en-US" b="0" i="0" dirty="0">
-                <a:solidFill>
-                  <a:srgbClr val="333333"/>
-                </a:solidFill>
-                <a:effectLst/>
-                <a:latin typeface="-apple-system"/>
-              </a:rPr>
-              <a:t>的概率</a:t>
-            </a:r>
-            <a:endParaRPr lang="zh-CN" altLang="en-US" dirty="0"/>
-          </a:p>
-        </p:txBody>
-      </p:sp>
-      <p:sp>
-        <p:nvSpPr>
-          <p:cNvPr id="25" name="文本框 24">
-            <a:extLst>
-              <a:ext uri="{FF2B5EF4-FFF2-40B4-BE49-F238E27FC236}">
-                <a16:creationId xmlns:a16="http://schemas.microsoft.com/office/drawing/2014/main" id="{F5EE3000-DB03-467A-8690-AA259FE92C5C}"/>
-              </a:ext>
-            </a:extLst>
-          </p:cNvPr>
-          <p:cNvSpPr txBox="1"/>
-          <p:nvPr/>
-        </p:nvSpPr>
-        <p:spPr>
-          <a:xfrm>
-            <a:off x="8851543" y="1865862"/>
-            <a:ext cx="1423652" cy="369332"/>
-          </a:xfrm>
-          <a:prstGeom prst="rect">
-            <a:avLst/>
-          </a:prstGeom>
-          <a:noFill/>
-        </p:spPr>
-        <p:txBody>
-          <a:bodyPr wrap="square">
-            <a:spAutoFit/>
-          </a:bodyPr>
-          <a:lstStyle/>
-          <a:p>
-            <a:r>
-              <a:rPr lang="zh-CN" altLang="en-US" b="0" i="0" dirty="0">
-                <a:solidFill>
-                  <a:srgbClr val="00D100"/>
-                </a:solidFill>
-                <a:effectLst/>
-                <a:latin typeface="-apple-system"/>
-              </a:rPr>
-              <a:t>似然函数</a:t>
-            </a:r>
-            <a:endParaRPr lang="zh-CN" altLang="en-US" dirty="0"/>
-          </a:p>
-        </p:txBody>
-      </p:sp>
-      <p:sp>
-        <p:nvSpPr>
-          <p:cNvPr id="26" name="文本框 25">
-            <a:extLst>
-              <a:ext uri="{FF2B5EF4-FFF2-40B4-BE49-F238E27FC236}">
-                <a16:creationId xmlns:a16="http://schemas.microsoft.com/office/drawing/2014/main" id="{CD3B0AAF-E483-4F89-9F3A-CDB9FE4C0ABC}"/>
-              </a:ext>
-            </a:extLst>
-          </p:cNvPr>
-          <p:cNvSpPr txBox="1"/>
-          <p:nvPr/>
-        </p:nvSpPr>
-        <p:spPr>
-          <a:xfrm>
-            <a:off x="7340428" y="4052484"/>
-            <a:ext cx="4791471" cy="369332"/>
-          </a:xfrm>
-          <a:prstGeom prst="rect">
-            <a:avLst/>
-          </a:prstGeom>
-          <a:noFill/>
-          <a:ln>
-            <a:solidFill>
-              <a:srgbClr val="FFC000"/>
-            </a:solidFill>
-          </a:ln>
-        </p:spPr>
-        <p:txBody>
-          <a:bodyPr wrap="square">
-            <a:spAutoFit/>
-          </a:bodyPr>
-          <a:lstStyle/>
-          <a:p>
-            <a:r>
-              <a:rPr lang="zh-CN" altLang="en-US" b="0" i="0" dirty="0">
-                <a:solidFill>
-                  <a:srgbClr val="333333"/>
-                </a:solidFill>
-                <a:effectLst/>
-                <a:latin typeface="-apple-system"/>
-              </a:rPr>
-              <a:t>什么都不知道的情况下，特征的值为</a:t>
-            </a:r>
-            <a:r>
-              <a:rPr lang="en-US" altLang="zh-CN" b="0" i="0" dirty="0">
-                <a:solidFill>
-                  <a:srgbClr val="333333"/>
-                </a:solidFill>
-                <a:effectLst/>
-                <a:latin typeface="-apple-system"/>
-              </a:rPr>
-              <a:t>X</a:t>
-            </a:r>
-            <a:r>
-              <a:rPr lang="zh-CN" altLang="en-US" b="0" i="0" dirty="0">
-                <a:solidFill>
-                  <a:srgbClr val="333333"/>
-                </a:solidFill>
-                <a:effectLst/>
-                <a:latin typeface="-apple-system"/>
-              </a:rPr>
-              <a:t>的概率</a:t>
-            </a:r>
-            <a:endParaRPr lang="zh-CN" altLang="en-US" dirty="0"/>
-          </a:p>
-        </p:txBody>
-      </p:sp>
-      <p:cxnSp>
-        <p:nvCxnSpPr>
-          <p:cNvPr id="27" name="直接箭头连接符 26">
-            <a:extLst>
-              <a:ext uri="{FF2B5EF4-FFF2-40B4-BE49-F238E27FC236}">
-                <a16:creationId xmlns:a16="http://schemas.microsoft.com/office/drawing/2014/main" id="{78A4EA29-A5C7-4FBC-9097-E817D996059F}"/>
-              </a:ext>
-            </a:extLst>
-          </p:cNvPr>
-          <p:cNvCxnSpPr/>
-          <p:nvPr/>
-        </p:nvCxnSpPr>
-        <p:spPr>
-          <a:xfrm flipV="1">
-            <a:off x="7025425" y="2664043"/>
-            <a:ext cx="901521" cy="158949"/>
-          </a:xfrm>
-          <a:prstGeom prst="straightConnector1">
-            <a:avLst/>
-          </a:prstGeom>
-          <a:ln>
-            <a:tailEnd type="triangle"/>
-          </a:ln>
-        </p:spPr>
-        <p:style>
-          <a:lnRef idx="1">
-            <a:schemeClr val="dk1"/>
-          </a:lnRef>
-          <a:fillRef idx="0">
-            <a:schemeClr val="dk1"/>
-          </a:fillRef>
-          <a:effectRef idx="0">
-            <a:schemeClr val="dk1"/>
-          </a:effectRef>
-          <a:fontRef idx="minor">
-            <a:schemeClr val="tx1"/>
-          </a:fontRef>
-        </p:style>
-      </p:cxnSp>
-      <p:cxnSp>
-        <p:nvCxnSpPr>
-          <p:cNvPr id="29" name="直接箭头连接符 28">
-            <a:extLst>
-              <a:ext uri="{FF2B5EF4-FFF2-40B4-BE49-F238E27FC236}">
-                <a16:creationId xmlns:a16="http://schemas.microsoft.com/office/drawing/2014/main" id="{A9F26BF1-3C5F-4BDC-9768-B3D707C9280F}"/>
-              </a:ext>
-            </a:extLst>
-          </p:cNvPr>
-          <p:cNvCxnSpPr/>
-          <p:nvPr/>
-        </p:nvCxnSpPr>
-        <p:spPr>
-          <a:xfrm>
-            <a:off x="7025425" y="3649980"/>
-            <a:ext cx="650586" cy="342470"/>
-          </a:xfrm>
-          <a:prstGeom prst="straightConnector1">
-            <a:avLst/>
-          </a:prstGeom>
-          <a:ln>
-            <a:tailEnd type="triangle"/>
-          </a:ln>
-        </p:spPr>
-        <p:style>
-          <a:lnRef idx="1">
-            <a:schemeClr val="dk1"/>
-          </a:lnRef>
-          <a:fillRef idx="0">
-            <a:schemeClr val="dk1"/>
-          </a:fillRef>
-          <a:effectRef idx="0">
-            <a:schemeClr val="dk1"/>
-          </a:effectRef>
-          <a:fontRef idx="minor">
-            <a:schemeClr val="tx1"/>
-          </a:fontRef>
-        </p:style>
-      </p:cxnSp>
-      <p:sp>
-        <p:nvSpPr>
-          <p:cNvPr id="31" name="文本框 30">
-            <a:extLst>
-              <a:ext uri="{FF2B5EF4-FFF2-40B4-BE49-F238E27FC236}">
-                <a16:creationId xmlns:a16="http://schemas.microsoft.com/office/drawing/2014/main" id="{D4BA8D26-0BA6-48DC-BBEE-2548044E0506}"/>
-              </a:ext>
-            </a:extLst>
-          </p:cNvPr>
-          <p:cNvSpPr txBox="1"/>
-          <p:nvPr/>
-        </p:nvSpPr>
-        <p:spPr>
-          <a:xfrm>
-            <a:off x="8728858" y="3555114"/>
-            <a:ext cx="2087497" cy="369332"/>
-          </a:xfrm>
-          <a:prstGeom prst="rect">
-            <a:avLst/>
-          </a:prstGeom>
-          <a:noFill/>
-        </p:spPr>
-        <p:txBody>
-          <a:bodyPr wrap="square">
-            <a:spAutoFit/>
-          </a:bodyPr>
-          <a:lstStyle/>
-          <a:p>
-            <a:r>
-              <a:rPr lang="zh-CN" altLang="en-US" b="0" i="0" dirty="0">
-                <a:solidFill>
-                  <a:srgbClr val="00B050"/>
-                </a:solidFill>
-                <a:effectLst/>
-                <a:latin typeface="-apple-system"/>
-              </a:rPr>
-              <a:t>特征</a:t>
-            </a:r>
-            <a:r>
-              <a:rPr lang="en-US" altLang="zh-CN" b="0" i="0" dirty="0">
-                <a:solidFill>
-                  <a:srgbClr val="00B050"/>
-                </a:solidFill>
-                <a:effectLst/>
-                <a:latin typeface="-apple-system"/>
-              </a:rPr>
-              <a:t>X</a:t>
-            </a:r>
-            <a:r>
-              <a:rPr lang="zh-CN" altLang="en-US" b="0" i="0" dirty="0">
-                <a:solidFill>
-                  <a:srgbClr val="00B050"/>
-                </a:solidFill>
-                <a:effectLst/>
-                <a:latin typeface="-apple-system"/>
-              </a:rPr>
-              <a:t>的先验概率</a:t>
-            </a:r>
-            <a:endParaRPr lang="zh-CN" altLang="en-US" dirty="0">
-              <a:solidFill>
-                <a:srgbClr val="00B050"/>
-              </a:solidFill>
-            </a:endParaRPr>
-          </a:p>
-        </p:txBody>
-      </p:sp>
-    </p:spTree>
-    <p:extLst>
-      <p:ext uri="{BB962C8B-B14F-4D97-AF65-F5344CB8AC3E}">
-        <p14:creationId xmlns:p14="http://schemas.microsoft.com/office/powerpoint/2010/main" val="2415960678"/>
-      </p:ext>
-    </p:extLst>
-  </p:cSld>
-  <p:clrMapOvr>
-    <a:masterClrMapping/>
-  </p:clrMapOvr>
-</p:sld>
-</file>
-
-<file path=ppt/slides/slide3.xml><?xml version="1.0" encoding="utf-8"?>
-<p:sld xmlns:a="http://schemas.openxmlformats.org/drawingml/2006/main" xmlns:r="http://schemas.openxmlformats.org/officeDocument/2006/relationships" xmlns:p="http://schemas.openxmlformats.org/presentationml/2006/main">
-  <p:cSld>
-    <p:spTree>
-      <p:nvGrpSpPr>
-        <p:cNvPr id="1" name=""/>
-        <p:cNvGrpSpPr/>
-        <p:nvPr/>
-      </p:nvGrpSpPr>
-      <p:grpSpPr>
-        <a:xfrm>
-          <a:off x="0" y="0"/>
-          <a:ext cx="0" cy="0"/>
-          <a:chOff x="0" y="0"/>
-          <a:chExt cx="0" cy="0"/>
-        </a:xfrm>
-      </p:grpSpPr>
+      </p:pic>
       <p:grpSp>
         <p:nvGrpSpPr>
-          <p:cNvPr id="4" name="组合 3">
-            <a:extLst>
-              <a:ext uri="{FF2B5EF4-FFF2-40B4-BE49-F238E27FC236}">
-                <a16:creationId xmlns:a16="http://schemas.microsoft.com/office/drawing/2014/main" id="{CB09DC5A-0979-44EA-9F8B-122E0DE0E1A8}"/>
+          <p:cNvPr id="7" name="组合 6">
+            <a:extLst>
+              <a:ext uri="{FF2B5EF4-FFF2-40B4-BE49-F238E27FC236}">
+                <a16:creationId xmlns:a16="http://schemas.microsoft.com/office/drawing/2014/main" id="{6923C013-1144-4392-976B-77B08207F154}"/>
               </a:ext>
             </a:extLst>
           </p:cNvPr>
@@ -5151,18 +5412,18 @@
         </p:nvGrpSpPr>
         <p:grpSpPr>
           <a:xfrm>
-            <a:off x="-9053" y="36212"/>
-            <a:ext cx="12192000" cy="541304"/>
-            <a:chOff x="-9053" y="36212"/>
-            <a:chExt cx="12192000" cy="371189"/>
+            <a:off x="568559" y="4193168"/>
+            <a:ext cx="4301543" cy="2134023"/>
+            <a:chOff x="6774288" y="1079256"/>
+            <a:chExt cx="4301543" cy="2165250"/>
           </a:xfrm>
         </p:grpSpPr>
         <p:sp>
           <p:nvSpPr>
-            <p:cNvPr id="5" name="矩形 4">
+            <p:cNvPr id="2" name="矩形 1">
               <a:extLst>
                 <a:ext uri="{FF2B5EF4-FFF2-40B4-BE49-F238E27FC236}">
-                  <a16:creationId xmlns:a16="http://schemas.microsoft.com/office/drawing/2014/main" id="{328289F4-27AF-4B23-BA74-8A3F149FF6BE}"/>
+                  <a16:creationId xmlns:a16="http://schemas.microsoft.com/office/drawing/2014/main" id="{B80EF022-E85A-473D-A466-E8DA7666FB57}"/>
                 </a:ext>
               </a:extLst>
             </p:cNvPr>
@@ -5171,17 +5432,90 @@
           </p:nvSpPr>
           <p:spPr>
             <a:xfrm>
-              <a:off x="36212" y="36212"/>
-              <a:ext cx="2649236" cy="298764"/>
+              <a:off x="6774288" y="1079256"/>
+              <a:ext cx="4301543" cy="2165250"/>
             </a:xfrm>
             <a:prstGeom prst="rect">
               <a:avLst/>
             </a:prstGeom>
             <a:solidFill>
-              <a:srgbClr val="92D050"/>
+              <a:schemeClr val="bg2"/>
+            </a:solidFill>
+          </p:spPr>
+          <p:style>
+            <a:lnRef idx="2">
+              <a:schemeClr val="accent6"/>
+            </a:lnRef>
+            <a:fillRef idx="1">
+              <a:schemeClr val="lt1"/>
+            </a:fillRef>
+            <a:effectRef idx="0">
+              <a:schemeClr val="accent6"/>
+            </a:effectRef>
+            <a:fontRef idx="minor">
+              <a:schemeClr val="dk1"/>
+            </a:fontRef>
+          </p:style>
+          <p:txBody>
+            <a:bodyPr rtlCol="0" anchor="ctr"/>
+            <a:lstStyle/>
+            <a:p>
+              <a:pPr algn="ctr"/>
+              <a:r>
+                <a:rPr lang="zh-CN" altLang="en-US" dirty="0"/>
+                <a:t>例子</a:t>
+              </a:r>
+              <a:endParaRPr lang="en-US" altLang="zh-CN" dirty="0"/>
+            </a:p>
+            <a:p>
+              <a:pPr algn="ctr"/>
+              <a:endParaRPr lang="en-US" altLang="zh-CN" dirty="0"/>
+            </a:p>
+            <a:p>
+              <a:pPr algn="ctr"/>
+              <a:endParaRPr lang="en-US" altLang="zh-CN" dirty="0"/>
+            </a:p>
+            <a:p>
+              <a:pPr algn="ctr"/>
+              <a:endParaRPr lang="en-US" altLang="zh-CN" dirty="0"/>
+            </a:p>
+            <a:p>
+              <a:pPr algn="ctr"/>
+              <a:endParaRPr lang="en-US" altLang="zh-CN" dirty="0"/>
+            </a:p>
+            <a:p>
+              <a:pPr algn="ctr"/>
+              <a:endParaRPr lang="zh-CN" altLang="en-US" dirty="0"/>
+            </a:p>
+          </p:txBody>
+        </p:sp>
+        <p:sp>
+          <p:nvSpPr>
+            <p:cNvPr id="3" name="矩形: 圆角 2">
+              <a:extLst>
+                <a:ext uri="{FF2B5EF4-FFF2-40B4-BE49-F238E27FC236}">
+                  <a16:creationId xmlns:a16="http://schemas.microsoft.com/office/drawing/2014/main" id="{4AA3414D-A363-4ADA-8616-D39398580B8D}"/>
+                </a:ext>
+              </a:extLst>
+            </p:cNvPr>
+            <p:cNvSpPr/>
+            <p:nvPr/>
+          </p:nvSpPr>
+          <p:spPr>
+            <a:xfrm>
+              <a:off x="7203708" y="1848961"/>
+              <a:ext cx="3442701" cy="1219790"/>
+            </a:xfrm>
+            <a:prstGeom prst="roundRect">
+              <a:avLst/>
+            </a:prstGeom>
+            <a:solidFill>
+              <a:schemeClr val="bg1"/>
             </a:solidFill>
             <a:ln>
-              <a:noFill/>
+              <a:solidFill>
+                <a:schemeClr val="bg1"/>
+              </a:solidFill>
             </a:ln>
           </p:spPr>
           <p:style>
@@ -5206,58 +5540,1352 @@
             <a:p>
               <a:pPr algn="ctr"/>
               <a:r>
-                <a:rPr lang="en-US" altLang="zh-CN" sz="2000" b="1" dirty="0">
+                <a:rPr lang="zh-CN" altLang="en-US" dirty="0">
                   <a:solidFill>
                     <a:schemeClr val="tx1"/>
                   </a:solidFill>
                 </a:rPr>
-                <a:t>Bayes</a:t>
+                <a:t>抽样</a:t>
               </a:r>
+              <a:r>
+                <a:rPr lang="en-US" altLang="zh-CN" dirty="0">
+                  <a:solidFill>
+                    <a:schemeClr val="tx1"/>
+                  </a:solidFill>
+                </a:rPr>
+                <a:t>100</a:t>
+              </a:r>
+              <a:r>
+                <a:rPr lang="zh-CN" altLang="en-US" dirty="0">
+                  <a:solidFill>
+                    <a:schemeClr val="tx1"/>
+                  </a:solidFill>
+                </a:rPr>
+                <a:t>个学生，给出身高统计，然后设计分类器，再给一名同学身高，预测性别</a:t>
+              </a:r>
+            </a:p>
+          </p:txBody>
+        </p:sp>
+      </p:grpSp>
+      <p:grpSp>
+        <p:nvGrpSpPr>
+          <p:cNvPr id="40" name="组合 39">
+            <a:extLst>
+              <a:ext uri="{FF2B5EF4-FFF2-40B4-BE49-F238E27FC236}">
+                <a16:creationId xmlns:a16="http://schemas.microsoft.com/office/drawing/2014/main" id="{DAF526E2-3CDA-41CA-AB3E-C048C84100F7}"/>
+              </a:ext>
+            </a:extLst>
+          </p:cNvPr>
+          <p:cNvGrpSpPr/>
+          <p:nvPr/>
+        </p:nvGrpSpPr>
+        <p:grpSpPr>
+          <a:xfrm>
+            <a:off x="5155500" y="841188"/>
+            <a:ext cx="6292856" cy="4418992"/>
+            <a:chOff x="5183661" y="1303306"/>
+            <a:chExt cx="6292856" cy="4418992"/>
+          </a:xfrm>
+        </p:grpSpPr>
+        <p:sp>
+          <p:nvSpPr>
+            <p:cNvPr id="15" name="文本框 14">
+              <a:extLst>
+                <a:ext uri="{FF2B5EF4-FFF2-40B4-BE49-F238E27FC236}">
+                  <a16:creationId xmlns:a16="http://schemas.microsoft.com/office/drawing/2014/main" id="{36BA3C7D-07C0-40C5-B1CA-4F67D09AD572}"/>
+                </a:ext>
+              </a:extLst>
+            </p:cNvPr>
+            <p:cNvSpPr txBox="1"/>
+            <p:nvPr/>
+          </p:nvSpPr>
+          <p:spPr>
+            <a:xfrm>
+              <a:off x="5183661" y="4768191"/>
+              <a:ext cx="2640168" cy="584775"/>
+            </a:xfrm>
+            <a:prstGeom prst="rect">
+              <a:avLst/>
+            </a:prstGeom>
+            <a:noFill/>
+            <a:ln w="19050">
+              <a:solidFill>
+                <a:schemeClr val="accent5"/>
+              </a:solidFill>
+            </a:ln>
+          </p:spPr>
+          <p:txBody>
+            <a:bodyPr wrap="square">
+              <a:spAutoFit/>
+            </a:bodyPr>
+            <a:lstStyle/>
+            <a:p>
+              <a:r>
+                <a:rPr lang="zh-CN" altLang="en-US" sz="1600" b="1" i="0" dirty="0">
+                  <a:solidFill>
+                    <a:srgbClr val="333333"/>
+                  </a:solidFill>
+                  <a:effectLst/>
+                  <a:latin typeface="-apple-system"/>
+                </a:rPr>
+                <a:t>已知样本身高为</a:t>
+              </a:r>
+              <a:r>
+                <a:rPr lang="en-US" altLang="zh-CN" sz="1600" b="1" i="0" dirty="0">
+                  <a:solidFill>
+                    <a:srgbClr val="333333"/>
+                  </a:solidFill>
+                  <a:effectLst/>
+                  <a:latin typeface="-apple-system"/>
+                </a:rPr>
+                <a:t>X</a:t>
+              </a:r>
+              <a:r>
+                <a:rPr lang="zh-CN" altLang="en-US" sz="1600" b="1" i="0" dirty="0">
+                  <a:solidFill>
+                    <a:srgbClr val="333333"/>
+                  </a:solidFill>
+                  <a:effectLst/>
+                  <a:latin typeface="-apple-system"/>
+                </a:rPr>
+                <a:t>的情况下，类别为</a:t>
+              </a:r>
+              <a:r>
+                <a:rPr lang="zh-CN" altLang="en-US" sz="1600" b="1" dirty="0">
+                  <a:solidFill>
+                    <a:srgbClr val="333333"/>
+                  </a:solidFill>
+                  <a:latin typeface="-apple-system"/>
+                </a:rPr>
+                <a:t>男</a:t>
+              </a:r>
+              <a:r>
+                <a:rPr lang="en-US" altLang="zh-CN" sz="1600" b="1" dirty="0">
+                  <a:solidFill>
+                    <a:srgbClr val="333333"/>
+                  </a:solidFill>
+                  <a:latin typeface="-apple-system"/>
+                </a:rPr>
+                <a:t>/</a:t>
+              </a:r>
+              <a:r>
+                <a:rPr lang="zh-CN" altLang="en-US" sz="1600" b="1" dirty="0">
+                  <a:solidFill>
+                    <a:srgbClr val="333333"/>
+                  </a:solidFill>
+                  <a:latin typeface="-apple-system"/>
+                </a:rPr>
+                <a:t>女</a:t>
+              </a:r>
+              <a:r>
+                <a:rPr lang="zh-CN" altLang="en-US" sz="1600" b="1" i="0" dirty="0">
+                  <a:solidFill>
+                    <a:srgbClr val="333333"/>
+                  </a:solidFill>
+                  <a:effectLst/>
+                  <a:latin typeface="-apple-system"/>
+                </a:rPr>
+                <a:t>的概率</a:t>
+              </a:r>
+              <a:endParaRPr lang="zh-CN" altLang="en-US" sz="1600" b="1" dirty="0"/>
+            </a:p>
+          </p:txBody>
+        </p:sp>
+        <p:sp>
+          <p:nvSpPr>
+            <p:cNvPr id="16" name="文本框 15">
+              <a:extLst>
+                <a:ext uri="{FF2B5EF4-FFF2-40B4-BE49-F238E27FC236}">
+                  <a16:creationId xmlns:a16="http://schemas.microsoft.com/office/drawing/2014/main" id="{243DA542-E5C1-4E29-94AE-D3A7511DECFA}"/>
+                </a:ext>
+              </a:extLst>
+            </p:cNvPr>
+            <p:cNvSpPr txBox="1"/>
+            <p:nvPr/>
+          </p:nvSpPr>
+          <p:spPr>
+            <a:xfrm>
+              <a:off x="5972967" y="5352966"/>
+              <a:ext cx="1565464" cy="369332"/>
+            </a:xfrm>
+            <a:prstGeom prst="rect">
+              <a:avLst/>
+            </a:prstGeom>
+            <a:noFill/>
+          </p:spPr>
+          <p:txBody>
+            <a:bodyPr wrap="square">
+              <a:spAutoFit/>
+            </a:bodyPr>
+            <a:lstStyle/>
+            <a:p>
+              <a:r>
+                <a:rPr lang="zh-CN" altLang="en-US" b="0" i="0" dirty="0">
+                  <a:solidFill>
+                    <a:srgbClr val="00D100"/>
+                  </a:solidFill>
+                  <a:effectLst/>
+                  <a:latin typeface="-apple-system"/>
+                </a:rPr>
+                <a:t>后验概率</a:t>
+              </a:r>
+              <a:endParaRPr lang="zh-CN" altLang="en-US" dirty="0"/>
             </a:p>
           </p:txBody>
         </p:sp>
         <p:cxnSp>
           <p:nvCxnSpPr>
-            <p:cNvPr id="6" name="直接连接符 5">
+            <p:cNvPr id="17" name="直接箭头连接符 16">
               <a:extLst>
                 <a:ext uri="{FF2B5EF4-FFF2-40B4-BE49-F238E27FC236}">
-                  <a16:creationId xmlns:a16="http://schemas.microsoft.com/office/drawing/2014/main" id="{91144791-D8C3-4614-926D-4793A4B9846D}"/>
+                  <a16:creationId xmlns:a16="http://schemas.microsoft.com/office/drawing/2014/main" id="{A21CAF11-2195-4635-AEEA-6CC202C6A596}"/>
                 </a:ext>
               </a:extLst>
             </p:cNvPr>
-            <p:cNvCxnSpPr/>
+            <p:cNvCxnSpPr>
+              <a:cxnSpLocks/>
+              <a:endCxn id="15" idx="0"/>
+            </p:cNvCxnSpPr>
             <p:nvPr/>
           </p:nvCxnSpPr>
           <p:spPr>
-            <a:xfrm>
-              <a:off x="-9053" y="380241"/>
-              <a:ext cx="12192000" cy="27160"/>
+            <a:xfrm flipH="1">
+              <a:off x="6503745" y="3857735"/>
+              <a:ext cx="645054" cy="910456"/>
             </a:xfrm>
-            <a:prstGeom prst="line">
+            <a:prstGeom prst="straightConnector1">
               <a:avLst/>
             </a:prstGeom>
-            <a:ln w="22225">
-              <a:solidFill>
-                <a:srgbClr val="7030A0"/>
-              </a:solidFill>
+            <a:ln w="19050">
+              <a:tailEnd type="triangle"/>
             </a:ln>
           </p:spPr>
           <p:style>
             <a:lnRef idx="1">
-              <a:schemeClr val="accent1"/>
+              <a:schemeClr val="dk1"/>
             </a:lnRef>
             <a:fillRef idx="0">
-              <a:schemeClr val="accent1"/>
+              <a:schemeClr val="dk1"/>
             </a:fillRef>
             <a:effectRef idx="0">
-              <a:schemeClr val="accent1"/>
+              <a:schemeClr val="dk1"/>
             </a:effectRef>
             <a:fontRef idx="minor">
               <a:schemeClr val="tx1"/>
             </a:fontRef>
           </p:style>
         </p:cxnSp>
+        <p:sp>
+          <p:nvSpPr>
+            <p:cNvPr id="18" name="文本框 17">
+              <a:extLst>
+                <a:ext uri="{FF2B5EF4-FFF2-40B4-BE49-F238E27FC236}">
+                  <a16:creationId xmlns:a16="http://schemas.microsoft.com/office/drawing/2014/main" id="{734B89E1-6A82-459B-8164-261CDB372C5E}"/>
+                </a:ext>
+              </a:extLst>
+            </p:cNvPr>
+            <p:cNvSpPr txBox="1"/>
+            <p:nvPr/>
+          </p:nvSpPr>
+          <p:spPr>
+            <a:xfrm>
+              <a:off x="5842665" y="1702205"/>
+              <a:ext cx="2235544" cy="584775"/>
+            </a:xfrm>
+            <a:prstGeom prst="rect">
+              <a:avLst/>
+            </a:prstGeom>
+            <a:noFill/>
+            <a:ln>
+              <a:solidFill>
+                <a:srgbClr val="FFC000"/>
+              </a:solidFill>
+            </a:ln>
+          </p:spPr>
+          <p:txBody>
+            <a:bodyPr wrap="square">
+              <a:spAutoFit/>
+            </a:bodyPr>
+            <a:lstStyle/>
+            <a:p>
+              <a:r>
+                <a:rPr lang="zh-CN" altLang="en-US" sz="1600" b="1" i="0" dirty="0">
+                  <a:solidFill>
+                    <a:srgbClr val="000000"/>
+                  </a:solidFill>
+                  <a:effectLst/>
+                  <a:latin typeface="-apple-system"/>
+                </a:rPr>
+                <a:t>什么都不知道的情况下，性别为男</a:t>
+              </a:r>
+              <a:r>
+                <a:rPr lang="en-US" altLang="zh-CN" sz="1600" b="1" i="0" dirty="0">
+                  <a:solidFill>
+                    <a:srgbClr val="000000"/>
+                  </a:solidFill>
+                  <a:effectLst/>
+                  <a:latin typeface="-apple-system"/>
+                </a:rPr>
+                <a:t>/</a:t>
+              </a:r>
+              <a:r>
+                <a:rPr lang="zh-CN" altLang="en-US" sz="1600" b="1" i="0" dirty="0">
+                  <a:solidFill>
+                    <a:srgbClr val="000000"/>
+                  </a:solidFill>
+                  <a:effectLst/>
+                  <a:latin typeface="-apple-system"/>
+                </a:rPr>
+                <a:t>女的概率</a:t>
+              </a:r>
+              <a:endParaRPr lang="zh-CN" altLang="en-US" sz="1600" b="1" dirty="0"/>
+            </a:p>
+          </p:txBody>
+        </p:sp>
+        <p:cxnSp>
+          <p:nvCxnSpPr>
+            <p:cNvPr id="19" name="直接箭头连接符 18">
+              <a:extLst>
+                <a:ext uri="{FF2B5EF4-FFF2-40B4-BE49-F238E27FC236}">
+                  <a16:creationId xmlns:a16="http://schemas.microsoft.com/office/drawing/2014/main" id="{58330914-6971-4D16-87C9-B6D155BAD1FD}"/>
+                </a:ext>
+              </a:extLst>
+            </p:cNvPr>
+            <p:cNvCxnSpPr>
+              <a:cxnSpLocks/>
+              <a:endCxn id="18" idx="2"/>
+            </p:cNvCxnSpPr>
+            <p:nvPr/>
+          </p:nvCxnSpPr>
+          <p:spPr>
+            <a:xfrm flipH="1" flipV="1">
+              <a:off x="6960437" y="2286980"/>
+              <a:ext cx="1137676" cy="1035838"/>
+            </a:xfrm>
+            <a:prstGeom prst="straightConnector1">
+              <a:avLst/>
+            </a:prstGeom>
+            <a:ln w="22225">
+              <a:tailEnd type="triangle"/>
+            </a:ln>
+          </p:spPr>
+          <p:style>
+            <a:lnRef idx="1">
+              <a:schemeClr val="dk1"/>
+            </a:lnRef>
+            <a:fillRef idx="0">
+              <a:schemeClr val="dk1"/>
+            </a:fillRef>
+            <a:effectRef idx="0">
+              <a:schemeClr val="dk1"/>
+            </a:effectRef>
+            <a:fontRef idx="minor">
+              <a:schemeClr val="tx1"/>
+            </a:fontRef>
+          </p:style>
+        </p:cxnSp>
+        <p:sp>
+          <p:nvSpPr>
+            <p:cNvPr id="20" name="文本框 19">
+              <a:extLst>
+                <a:ext uri="{FF2B5EF4-FFF2-40B4-BE49-F238E27FC236}">
+                  <a16:creationId xmlns:a16="http://schemas.microsoft.com/office/drawing/2014/main" id="{CA445E15-770D-43A3-81E2-0AF37087BE64}"/>
+                </a:ext>
+              </a:extLst>
+            </p:cNvPr>
+            <p:cNvSpPr txBox="1"/>
+            <p:nvPr/>
+          </p:nvSpPr>
+          <p:spPr>
+            <a:xfrm>
+              <a:off x="6325687" y="1303306"/>
+              <a:ext cx="1269499" cy="369332"/>
+            </a:xfrm>
+            <a:prstGeom prst="rect">
+              <a:avLst/>
+            </a:prstGeom>
+            <a:noFill/>
+          </p:spPr>
+          <p:txBody>
+            <a:bodyPr wrap="square">
+              <a:spAutoFit/>
+            </a:bodyPr>
+            <a:lstStyle/>
+            <a:p>
+              <a:r>
+                <a:rPr lang="zh-CN" altLang="en-US" b="0" i="0" dirty="0">
+                  <a:solidFill>
+                    <a:srgbClr val="00D100"/>
+                  </a:solidFill>
+                  <a:effectLst/>
+                  <a:latin typeface="-apple-system"/>
+                </a:rPr>
+                <a:t>先验概率</a:t>
+              </a:r>
+              <a:endParaRPr lang="zh-CN" altLang="en-US" dirty="0"/>
+            </a:p>
+          </p:txBody>
+        </p:sp>
+        <p:sp>
+          <p:nvSpPr>
+            <p:cNvPr id="21" name="文本框 20">
+              <a:extLst>
+                <a:ext uri="{FF2B5EF4-FFF2-40B4-BE49-F238E27FC236}">
+                  <a16:creationId xmlns:a16="http://schemas.microsoft.com/office/drawing/2014/main" id="{901F06FF-21E5-4E5F-95B9-609B3D9B9F0E}"/>
+                </a:ext>
+              </a:extLst>
+            </p:cNvPr>
+            <p:cNvSpPr txBox="1"/>
+            <p:nvPr/>
+          </p:nvSpPr>
+          <p:spPr>
+            <a:xfrm>
+              <a:off x="9142467" y="1734350"/>
+              <a:ext cx="2334049" cy="584775"/>
+            </a:xfrm>
+            <a:prstGeom prst="rect">
+              <a:avLst/>
+            </a:prstGeom>
+            <a:noFill/>
+            <a:ln>
+              <a:solidFill>
+                <a:srgbClr val="FFC000"/>
+              </a:solidFill>
+            </a:ln>
+          </p:spPr>
+          <p:txBody>
+            <a:bodyPr wrap="square">
+              <a:spAutoFit/>
+            </a:bodyPr>
+            <a:lstStyle/>
+            <a:p>
+              <a:r>
+                <a:rPr lang="zh-CN" altLang="en-US" sz="1600" b="1" i="0" dirty="0">
+                  <a:effectLst/>
+                  <a:latin typeface="-apple-system"/>
+                </a:rPr>
+                <a:t>已知目标类别是</a:t>
+              </a:r>
+              <a:r>
+                <a:rPr lang="zh-CN" altLang="en-US" sz="1600" b="1" dirty="0">
+                  <a:latin typeface="-apple-system"/>
+                </a:rPr>
+                <a:t>男</a:t>
+              </a:r>
+              <a:r>
+                <a:rPr lang="en-US" altLang="zh-CN" sz="1600" b="1" dirty="0">
+                  <a:latin typeface="-apple-system"/>
+                </a:rPr>
+                <a:t>/</a:t>
+              </a:r>
+              <a:r>
+                <a:rPr lang="zh-CN" altLang="en-US" sz="1600" b="1" dirty="0">
+                  <a:latin typeface="-apple-system"/>
+                </a:rPr>
+                <a:t>女</a:t>
+              </a:r>
+              <a:r>
+                <a:rPr lang="zh-CN" altLang="en-US" sz="1600" b="1" i="0" dirty="0">
+                  <a:effectLst/>
+                  <a:latin typeface="-apple-system"/>
+                </a:rPr>
+                <a:t>的情况下，身高为</a:t>
+              </a:r>
+              <a:r>
+                <a:rPr lang="en-US" altLang="zh-CN" sz="1600" b="1" i="0" dirty="0">
+                  <a:effectLst/>
+                  <a:latin typeface="-apple-system"/>
+                </a:rPr>
+                <a:t>X</a:t>
+              </a:r>
+              <a:r>
+                <a:rPr lang="zh-CN" altLang="en-US" sz="1600" b="1" i="0" dirty="0">
+                  <a:effectLst/>
+                  <a:latin typeface="-apple-system"/>
+                </a:rPr>
+                <a:t>的概率</a:t>
+              </a:r>
+              <a:endParaRPr lang="zh-CN" altLang="en-US" sz="1600" b="1" dirty="0"/>
+            </a:p>
+          </p:txBody>
+        </p:sp>
+        <p:sp>
+          <p:nvSpPr>
+            <p:cNvPr id="22" name="文本框 21">
+              <a:extLst>
+                <a:ext uri="{FF2B5EF4-FFF2-40B4-BE49-F238E27FC236}">
+                  <a16:creationId xmlns:a16="http://schemas.microsoft.com/office/drawing/2014/main" id="{559AF5F8-B5E8-4E6B-A1E0-D9C5988D1C6D}"/>
+                </a:ext>
+              </a:extLst>
+            </p:cNvPr>
+            <p:cNvSpPr txBox="1"/>
+            <p:nvPr/>
+          </p:nvSpPr>
+          <p:spPr>
+            <a:xfrm>
+              <a:off x="9764683" y="1303306"/>
+              <a:ext cx="1548328" cy="369332"/>
+            </a:xfrm>
+            <a:prstGeom prst="rect">
+              <a:avLst/>
+            </a:prstGeom>
+            <a:noFill/>
+          </p:spPr>
+          <p:txBody>
+            <a:bodyPr wrap="square">
+              <a:spAutoFit/>
+            </a:bodyPr>
+            <a:lstStyle/>
+            <a:p>
+              <a:r>
+                <a:rPr lang="zh-CN" altLang="en-US" b="0" i="0" dirty="0">
+                  <a:solidFill>
+                    <a:srgbClr val="00D100"/>
+                  </a:solidFill>
+                  <a:effectLst/>
+                  <a:latin typeface="-apple-system"/>
+                </a:rPr>
+                <a:t>似然函数</a:t>
+              </a:r>
+              <a:endParaRPr lang="zh-CN" altLang="en-US" dirty="0"/>
+            </a:p>
+          </p:txBody>
+        </p:sp>
+        <p:sp>
+          <p:nvSpPr>
+            <p:cNvPr id="23" name="文本框 22">
+              <a:extLst>
+                <a:ext uri="{FF2B5EF4-FFF2-40B4-BE49-F238E27FC236}">
+                  <a16:creationId xmlns:a16="http://schemas.microsoft.com/office/drawing/2014/main" id="{DDE5BCB3-17F8-4EF8-89F2-E7C014373B76}"/>
+                </a:ext>
+              </a:extLst>
+            </p:cNvPr>
+            <p:cNvSpPr txBox="1"/>
+            <p:nvPr/>
+          </p:nvSpPr>
+          <p:spPr>
+            <a:xfrm>
+              <a:off x="8998973" y="4570187"/>
+              <a:ext cx="2314038" cy="584775"/>
+            </a:xfrm>
+            <a:prstGeom prst="rect">
+              <a:avLst/>
+            </a:prstGeom>
+            <a:noFill/>
+            <a:ln>
+              <a:solidFill>
+                <a:srgbClr val="FFC000"/>
+              </a:solidFill>
+            </a:ln>
+          </p:spPr>
+          <p:txBody>
+            <a:bodyPr wrap="square">
+              <a:spAutoFit/>
+            </a:bodyPr>
+            <a:lstStyle/>
+            <a:p>
+              <a:r>
+                <a:rPr lang="zh-CN" altLang="en-US" sz="1600" b="1" i="0" dirty="0">
+                  <a:solidFill>
+                    <a:srgbClr val="333333"/>
+                  </a:solidFill>
+                  <a:effectLst/>
+                  <a:latin typeface="-apple-system"/>
+                </a:rPr>
+                <a:t>什么都不知道的情况下，身高为</a:t>
+              </a:r>
+              <a:r>
+                <a:rPr lang="en-US" altLang="zh-CN" sz="1600" b="1" i="0" dirty="0">
+                  <a:solidFill>
+                    <a:srgbClr val="333333"/>
+                  </a:solidFill>
+                  <a:effectLst/>
+                  <a:latin typeface="-apple-system"/>
+                </a:rPr>
+                <a:t>X</a:t>
+              </a:r>
+              <a:r>
+                <a:rPr lang="zh-CN" altLang="en-US" sz="1600" b="1" i="0" dirty="0">
+                  <a:solidFill>
+                    <a:srgbClr val="333333"/>
+                  </a:solidFill>
+                  <a:effectLst/>
+                  <a:latin typeface="-apple-system"/>
+                </a:rPr>
+                <a:t>的概率，常量</a:t>
+              </a:r>
+              <a:endParaRPr lang="zh-CN" altLang="en-US" sz="1600" b="1" dirty="0"/>
+            </a:p>
+          </p:txBody>
+        </p:sp>
+        <p:cxnSp>
+          <p:nvCxnSpPr>
+            <p:cNvPr id="24" name="直接箭头连接符 23">
+              <a:extLst>
+                <a:ext uri="{FF2B5EF4-FFF2-40B4-BE49-F238E27FC236}">
+                  <a16:creationId xmlns:a16="http://schemas.microsoft.com/office/drawing/2014/main" id="{9D765AF0-E7E9-4D73-8667-E14B9908244D}"/>
+                </a:ext>
+              </a:extLst>
+            </p:cNvPr>
+            <p:cNvCxnSpPr>
+              <a:cxnSpLocks/>
+              <a:endCxn id="21" idx="2"/>
+            </p:cNvCxnSpPr>
+            <p:nvPr/>
+          </p:nvCxnSpPr>
+          <p:spPr>
+            <a:xfrm flipV="1">
+              <a:off x="8923020" y="2319125"/>
+              <a:ext cx="1386472" cy="990572"/>
+            </a:xfrm>
+            <a:prstGeom prst="straightConnector1">
+              <a:avLst/>
+            </a:prstGeom>
+            <a:ln w="22225">
+              <a:tailEnd type="triangle"/>
+            </a:ln>
+          </p:spPr>
+          <p:style>
+            <a:lnRef idx="1">
+              <a:schemeClr val="dk1"/>
+            </a:lnRef>
+            <a:fillRef idx="0">
+              <a:schemeClr val="dk1"/>
+            </a:fillRef>
+            <a:effectRef idx="0">
+              <a:schemeClr val="dk1"/>
+            </a:effectRef>
+            <a:fontRef idx="minor">
+              <a:schemeClr val="tx1"/>
+            </a:fontRef>
+          </p:style>
+        </p:cxnSp>
+        <p:cxnSp>
+          <p:nvCxnSpPr>
+            <p:cNvPr id="25" name="直接箭头连接符 24">
+              <a:extLst>
+                <a:ext uri="{FF2B5EF4-FFF2-40B4-BE49-F238E27FC236}">
+                  <a16:creationId xmlns:a16="http://schemas.microsoft.com/office/drawing/2014/main" id="{F464239C-8A3E-4D9A-A8DD-9FDBC91A5741}"/>
+                </a:ext>
+              </a:extLst>
+            </p:cNvPr>
+            <p:cNvCxnSpPr>
+              <a:cxnSpLocks/>
+            </p:cNvCxnSpPr>
+            <p:nvPr/>
+          </p:nvCxnSpPr>
+          <p:spPr>
+            <a:xfrm>
+              <a:off x="8724111" y="4025146"/>
+              <a:ext cx="838452" cy="545041"/>
+            </a:xfrm>
+            <a:prstGeom prst="straightConnector1">
+              <a:avLst/>
+            </a:prstGeom>
+            <a:ln w="19050">
+              <a:tailEnd type="triangle"/>
+            </a:ln>
+          </p:spPr>
+          <p:style>
+            <a:lnRef idx="1">
+              <a:schemeClr val="dk1"/>
+            </a:lnRef>
+            <a:fillRef idx="0">
+              <a:schemeClr val="dk1"/>
+            </a:fillRef>
+            <a:effectRef idx="0">
+              <a:schemeClr val="dk1"/>
+            </a:effectRef>
+            <a:fontRef idx="minor">
+              <a:schemeClr val="tx1"/>
+            </a:fontRef>
+          </p:style>
+        </p:cxnSp>
+        <p:sp>
+          <p:nvSpPr>
+            <p:cNvPr id="26" name="文本框 25">
+              <a:extLst>
+                <a:ext uri="{FF2B5EF4-FFF2-40B4-BE49-F238E27FC236}">
+                  <a16:creationId xmlns:a16="http://schemas.microsoft.com/office/drawing/2014/main" id="{2C23D28F-AB2A-49AF-9551-6A53D274DDF4}"/>
+                </a:ext>
+              </a:extLst>
+            </p:cNvPr>
+            <p:cNvSpPr txBox="1"/>
+            <p:nvPr/>
+          </p:nvSpPr>
+          <p:spPr>
+            <a:xfrm>
+              <a:off x="9162479" y="5226384"/>
+              <a:ext cx="2314038" cy="369332"/>
+            </a:xfrm>
+            <a:prstGeom prst="rect">
+              <a:avLst/>
+            </a:prstGeom>
+            <a:noFill/>
+          </p:spPr>
+          <p:txBody>
+            <a:bodyPr wrap="square">
+              <a:spAutoFit/>
+            </a:bodyPr>
+            <a:lstStyle/>
+            <a:p>
+              <a:r>
+                <a:rPr lang="zh-CN" altLang="en-US" b="0" i="0" dirty="0">
+                  <a:solidFill>
+                    <a:srgbClr val="00B050"/>
+                  </a:solidFill>
+                  <a:effectLst/>
+                  <a:latin typeface="-apple-system"/>
+                </a:rPr>
+                <a:t>特征</a:t>
+              </a:r>
+              <a:r>
+                <a:rPr lang="en-US" altLang="zh-CN" b="0" i="0" dirty="0">
+                  <a:solidFill>
+                    <a:srgbClr val="00B050"/>
+                  </a:solidFill>
+                  <a:effectLst/>
+                  <a:latin typeface="-apple-system"/>
+                </a:rPr>
+                <a:t>X</a:t>
+              </a:r>
+              <a:r>
+                <a:rPr lang="zh-CN" altLang="en-US" b="0" i="0" dirty="0">
+                  <a:solidFill>
+                    <a:srgbClr val="00B050"/>
+                  </a:solidFill>
+                  <a:effectLst/>
+                  <a:latin typeface="-apple-system"/>
+                </a:rPr>
+                <a:t>的先验概率</a:t>
+              </a:r>
+              <a:endParaRPr lang="zh-CN" altLang="en-US" dirty="0">
+                <a:solidFill>
+                  <a:srgbClr val="00B050"/>
+                </a:solidFill>
+              </a:endParaRPr>
+            </a:p>
+          </p:txBody>
+        </p:sp>
       </p:grpSp>
+      <p:sp>
+        <p:nvSpPr>
+          <p:cNvPr id="42" name="矩形 41">
+            <a:extLst>
+              <a:ext uri="{FF2B5EF4-FFF2-40B4-BE49-F238E27FC236}">
+                <a16:creationId xmlns:a16="http://schemas.microsoft.com/office/drawing/2014/main" id="{CEFF04BB-408D-49F0-8B1C-499165701ED8}"/>
+              </a:ext>
+            </a:extLst>
+          </p:cNvPr>
+          <p:cNvSpPr/>
+          <p:nvPr/>
+        </p:nvSpPr>
+        <p:spPr>
+          <a:xfrm>
+            <a:off x="9318028" y="2905994"/>
+            <a:ext cx="1213159" cy="303423"/>
+          </a:xfrm>
+          <a:prstGeom prst="rect">
+            <a:avLst/>
+          </a:prstGeom>
+          <a:noFill/>
+          <a:ln>
+            <a:solidFill>
+              <a:schemeClr val="bg1"/>
+            </a:solidFill>
+          </a:ln>
+        </p:spPr>
+        <p:style>
+          <a:lnRef idx="2">
+            <a:schemeClr val="accent1">
+              <a:shade val="50000"/>
+            </a:schemeClr>
+          </a:lnRef>
+          <a:fillRef idx="1">
+            <a:schemeClr val="accent1"/>
+          </a:fillRef>
+          <a:effectRef idx="0">
+            <a:schemeClr val="accent1"/>
+          </a:effectRef>
+          <a:fontRef idx="minor">
+            <a:schemeClr val="lt1"/>
+          </a:fontRef>
+        </p:style>
+        <p:txBody>
+          <a:bodyPr rtlCol="0" anchor="ctr"/>
+          <a:lstStyle/>
+          <a:p>
+            <a:pPr algn="ctr"/>
+            <a:r>
+              <a:rPr lang="zh-CN" altLang="en-US" b="1" dirty="0">
+                <a:solidFill>
+                  <a:srgbClr val="FF0000"/>
+                </a:solidFill>
+              </a:rPr>
+              <a:t>实际计算</a:t>
+            </a:r>
+          </a:p>
+        </p:txBody>
+      </p:sp>
+      <p:pic>
+        <p:nvPicPr>
+          <p:cNvPr id="44" name="图片 43">
+            <a:extLst>
+              <a:ext uri="{FF2B5EF4-FFF2-40B4-BE49-F238E27FC236}">
+                <a16:creationId xmlns:a16="http://schemas.microsoft.com/office/drawing/2014/main" id="{34775FAC-397E-4424-A1C8-1539D74B2865}"/>
+              </a:ext>
+            </a:extLst>
+          </p:cNvPr>
+          <p:cNvPicPr>
+            <a:picLocks noChangeAspect="1"/>
+          </p:cNvPicPr>
+          <p:nvPr/>
+        </p:nvPicPr>
+        <p:blipFill>
+          <a:blip r:embed="rId3"/>
+          <a:stretch>
+            <a:fillRect/>
+          </a:stretch>
+        </p:blipFill>
+        <p:spPr>
+          <a:xfrm>
+            <a:off x="7383826" y="5655817"/>
+            <a:ext cx="1586987" cy="478008"/>
+          </a:xfrm>
+          <a:prstGeom prst="rect">
+            <a:avLst/>
+          </a:prstGeom>
+        </p:spPr>
+      </p:pic>
+      <p:sp>
+        <p:nvSpPr>
+          <p:cNvPr id="47" name="矩形 46">
+            <a:extLst>
+              <a:ext uri="{FF2B5EF4-FFF2-40B4-BE49-F238E27FC236}">
+                <a16:creationId xmlns:a16="http://schemas.microsoft.com/office/drawing/2014/main" id="{AB65A3C5-5D6F-4360-BB3A-2CE2D6A634A8}"/>
+              </a:ext>
+            </a:extLst>
+          </p:cNvPr>
+          <p:cNvSpPr/>
+          <p:nvPr/>
+        </p:nvSpPr>
+        <p:spPr>
+          <a:xfrm>
+            <a:off x="6096000" y="5693243"/>
+            <a:ext cx="1213159" cy="303423"/>
+          </a:xfrm>
+          <a:prstGeom prst="rect">
+            <a:avLst/>
+          </a:prstGeom>
+          <a:noFill/>
+          <a:ln>
+            <a:solidFill>
+              <a:schemeClr val="bg1"/>
+            </a:solidFill>
+          </a:ln>
+        </p:spPr>
+        <p:style>
+          <a:lnRef idx="2">
+            <a:schemeClr val="accent1">
+              <a:shade val="50000"/>
+            </a:schemeClr>
+          </a:lnRef>
+          <a:fillRef idx="1">
+            <a:schemeClr val="accent1"/>
+          </a:fillRef>
+          <a:effectRef idx="0">
+            <a:schemeClr val="accent1"/>
+          </a:effectRef>
+          <a:fontRef idx="minor">
+            <a:schemeClr val="lt1"/>
+          </a:fontRef>
+        </p:style>
+        <p:txBody>
+          <a:bodyPr rtlCol="0" anchor="ctr"/>
+          <a:lstStyle/>
+          <a:p>
+            <a:pPr algn="ctr"/>
+            <a:r>
+              <a:rPr lang="zh-CN" altLang="en-US" b="1" dirty="0">
+                <a:solidFill>
+                  <a:srgbClr val="FF0000"/>
+                </a:solidFill>
+              </a:rPr>
+              <a:t>实际计算</a:t>
+            </a:r>
+            <a:r>
+              <a:rPr lang="en-US" altLang="zh-CN" b="1" dirty="0">
+                <a:solidFill>
+                  <a:srgbClr val="FF0000"/>
+                </a:solidFill>
+              </a:rPr>
+              <a:t>: </a:t>
+            </a:r>
+            <a:endParaRPr lang="zh-CN" altLang="en-US" b="1" dirty="0">
+              <a:solidFill>
+                <a:srgbClr val="FF0000"/>
+              </a:solidFill>
+            </a:endParaRPr>
+          </a:p>
+        </p:txBody>
+      </p:sp>
+      <p:sp>
+        <p:nvSpPr>
+          <p:cNvPr id="49" name="文本框 48">
+            <a:extLst>
+              <a:ext uri="{FF2B5EF4-FFF2-40B4-BE49-F238E27FC236}">
+                <a16:creationId xmlns:a16="http://schemas.microsoft.com/office/drawing/2014/main" id="{51EA3F81-F7BE-4BC7-B7C9-224F9EDB77CF}"/>
+              </a:ext>
+            </a:extLst>
+          </p:cNvPr>
+          <p:cNvSpPr txBox="1"/>
+          <p:nvPr/>
+        </p:nvSpPr>
+        <p:spPr>
+          <a:xfrm>
+            <a:off x="9179489" y="5521788"/>
+            <a:ext cx="1911834" cy="646331"/>
+          </a:xfrm>
+          <a:prstGeom prst="rect">
+            <a:avLst/>
+          </a:prstGeom>
+          <a:noFill/>
+          <a:ln>
+            <a:solidFill>
+              <a:schemeClr val="tx1"/>
+            </a:solidFill>
+          </a:ln>
+        </p:spPr>
+        <p:txBody>
+          <a:bodyPr wrap="square">
+            <a:spAutoFit/>
+          </a:bodyPr>
+          <a:lstStyle/>
+          <a:p>
+            <a:r>
+              <a:rPr lang="zh-CN" altLang="en-US" b="0" i="0" dirty="0">
+                <a:solidFill>
+                  <a:srgbClr val="333333"/>
+                </a:solidFill>
+                <a:effectLst/>
+                <a:latin typeface="-apple-system"/>
+              </a:rPr>
+              <a:t>各类别</a:t>
+            </a:r>
+            <a:r>
+              <a:rPr lang="en-US" altLang="zh-CN" b="0" i="0" dirty="0">
+                <a:solidFill>
+                  <a:srgbClr val="333333"/>
+                </a:solidFill>
+                <a:effectLst/>
+                <a:latin typeface="-apple-system"/>
+              </a:rPr>
+              <a:t>y</a:t>
+            </a:r>
+            <a:r>
+              <a:rPr lang="zh-CN" altLang="en-US" b="0" i="0" dirty="0">
+                <a:solidFill>
+                  <a:srgbClr val="333333"/>
+                </a:solidFill>
+                <a:effectLst/>
+                <a:latin typeface="-apple-system"/>
+              </a:rPr>
+              <a:t>与该样本特征</a:t>
+            </a:r>
+            <a:r>
+              <a:rPr lang="en-US" altLang="zh-CN" b="0" i="0" dirty="0">
+                <a:solidFill>
+                  <a:srgbClr val="333333"/>
+                </a:solidFill>
+                <a:effectLst/>
+                <a:latin typeface="-apple-system"/>
+              </a:rPr>
+              <a:t>X</a:t>
+            </a:r>
+            <a:r>
+              <a:rPr lang="zh-CN" altLang="en-US" b="0" i="0" dirty="0">
+                <a:solidFill>
+                  <a:srgbClr val="333333"/>
+                </a:solidFill>
+                <a:effectLst/>
+                <a:latin typeface="-apple-system"/>
+              </a:rPr>
+              <a:t>的联合概率</a:t>
+            </a:r>
+            <a:endParaRPr lang="zh-CN" altLang="en-US" dirty="0"/>
+          </a:p>
+        </p:txBody>
+      </p:sp>
+      <p:sp>
+        <p:nvSpPr>
+          <p:cNvPr id="48" name="星形: 五角 47">
+            <a:extLst>
+              <a:ext uri="{FF2B5EF4-FFF2-40B4-BE49-F238E27FC236}">
+                <a16:creationId xmlns:a16="http://schemas.microsoft.com/office/drawing/2014/main" id="{ABA8A178-F6E9-4650-A8CC-4C15A2221FC4}"/>
+              </a:ext>
+            </a:extLst>
+          </p:cNvPr>
+          <p:cNvSpPr/>
+          <p:nvPr/>
+        </p:nvSpPr>
+        <p:spPr>
+          <a:xfrm>
+            <a:off x="5142471" y="5763452"/>
+            <a:ext cx="705724" cy="702178"/>
+          </a:xfrm>
+          <a:prstGeom prst="star5">
+            <a:avLst/>
+          </a:prstGeom>
+          <a:solidFill>
+            <a:srgbClr val="7030A0"/>
+          </a:solidFill>
+          <a:ln>
+            <a:solidFill>
+              <a:srgbClr val="7030A0"/>
+            </a:solidFill>
+          </a:ln>
+        </p:spPr>
+        <p:style>
+          <a:lnRef idx="2">
+            <a:schemeClr val="accent1">
+              <a:shade val="50000"/>
+            </a:schemeClr>
+          </a:lnRef>
+          <a:fillRef idx="1">
+            <a:schemeClr val="accent1"/>
+          </a:fillRef>
+          <a:effectRef idx="0">
+            <a:schemeClr val="accent1"/>
+          </a:effectRef>
+          <a:fontRef idx="minor">
+            <a:schemeClr val="lt1"/>
+          </a:fontRef>
+        </p:style>
+        <p:txBody>
+          <a:bodyPr rtlCol="0" anchor="ctr"/>
+          <a:lstStyle/>
+          <a:p>
+            <a:pPr algn="ctr"/>
+            <a:endParaRPr lang="zh-CN" altLang="en-US"/>
+          </a:p>
+        </p:txBody>
+      </p:sp>
+      <p:sp>
+        <p:nvSpPr>
+          <p:cNvPr id="51" name="文本框 50">
+            <a:extLst>
+              <a:ext uri="{FF2B5EF4-FFF2-40B4-BE49-F238E27FC236}">
+                <a16:creationId xmlns:a16="http://schemas.microsoft.com/office/drawing/2014/main" id="{D3561F4A-8648-4B9C-B0BA-32F0371220BB}"/>
+              </a:ext>
+            </a:extLst>
+          </p:cNvPr>
+          <p:cNvSpPr txBox="1"/>
+          <p:nvPr/>
+        </p:nvSpPr>
+        <p:spPr>
+          <a:xfrm>
+            <a:off x="9298066" y="111199"/>
+            <a:ext cx="2168852" cy="369332"/>
+          </a:xfrm>
+          <a:prstGeom prst="rect">
+            <a:avLst/>
+          </a:prstGeom>
+          <a:noFill/>
+        </p:spPr>
+        <p:txBody>
+          <a:bodyPr wrap="square">
+            <a:spAutoFit/>
+          </a:bodyPr>
+          <a:lstStyle/>
+          <a:p>
+            <a:pPr algn="ctr"/>
+            <a:r>
+              <a:rPr lang="zh-CN" altLang="en-US" b="1" dirty="0">
+                <a:solidFill>
+                  <a:schemeClr val="tx1"/>
+                </a:solidFill>
+              </a:rPr>
+              <a:t>朴素贝叶斯</a:t>
+            </a:r>
+          </a:p>
+        </p:txBody>
+      </p:sp>
+      <p:pic>
+        <p:nvPicPr>
+          <p:cNvPr id="52" name="图片 51">
+            <a:extLst>
+              <a:ext uri="{FF2B5EF4-FFF2-40B4-BE49-F238E27FC236}">
+                <a16:creationId xmlns:a16="http://schemas.microsoft.com/office/drawing/2014/main" id="{AAB74492-85A9-48DA-975A-FA39F87F9D73}"/>
+              </a:ext>
+            </a:extLst>
+          </p:cNvPr>
+          <p:cNvPicPr>
+            <a:picLocks noChangeAspect="1"/>
+          </p:cNvPicPr>
+          <p:nvPr/>
+        </p:nvPicPr>
+        <p:blipFill>
+          <a:blip r:embed="rId4"/>
+          <a:stretch>
+            <a:fillRect/>
+          </a:stretch>
+        </p:blipFill>
+        <p:spPr>
+          <a:xfrm>
+            <a:off x="6686318" y="2803332"/>
+            <a:ext cx="2555553" cy="780707"/>
+          </a:xfrm>
+          <a:prstGeom prst="rect">
+            <a:avLst/>
+          </a:prstGeom>
+        </p:spPr>
+      </p:pic>
+      <p:sp>
+        <p:nvSpPr>
+          <p:cNvPr id="41" name="矩形: 圆角 40">
+            <a:extLst>
+              <a:ext uri="{FF2B5EF4-FFF2-40B4-BE49-F238E27FC236}">
+                <a16:creationId xmlns:a16="http://schemas.microsoft.com/office/drawing/2014/main" id="{9F3309D8-87FD-4F40-9562-1FD712A5254B}"/>
+              </a:ext>
+            </a:extLst>
+          </p:cNvPr>
+          <p:cNvSpPr/>
+          <p:nvPr/>
+        </p:nvSpPr>
+        <p:spPr>
+          <a:xfrm>
+            <a:off x="7795668" y="2905994"/>
+            <a:ext cx="1522360" cy="285091"/>
+          </a:xfrm>
+          <a:prstGeom prst="roundRect">
+            <a:avLst/>
+          </a:prstGeom>
+          <a:noFill/>
+          <a:ln w="25400">
+            <a:solidFill>
+              <a:srgbClr val="FF0000"/>
+            </a:solidFill>
+          </a:ln>
+        </p:spPr>
+        <p:style>
+          <a:lnRef idx="2">
+            <a:schemeClr val="accent1">
+              <a:shade val="50000"/>
+            </a:schemeClr>
+          </a:lnRef>
+          <a:fillRef idx="1">
+            <a:schemeClr val="accent1"/>
+          </a:fillRef>
+          <a:effectRef idx="0">
+            <a:schemeClr val="accent1"/>
+          </a:effectRef>
+          <a:fontRef idx="minor">
+            <a:schemeClr val="lt1"/>
+          </a:fontRef>
+        </p:style>
+        <p:txBody>
+          <a:bodyPr rtlCol="0" anchor="ctr"/>
+          <a:lstStyle/>
+          <a:p>
+            <a:pPr algn="ctr"/>
+            <a:endParaRPr lang="zh-CN" altLang="en-US"/>
+          </a:p>
+        </p:txBody>
+      </p:sp>
+      <p:pic>
+        <p:nvPicPr>
+          <p:cNvPr id="54" name="图片 53">
+            <a:extLst>
+              <a:ext uri="{FF2B5EF4-FFF2-40B4-BE49-F238E27FC236}">
+                <a16:creationId xmlns:a16="http://schemas.microsoft.com/office/drawing/2014/main" id="{AE8DA083-E4F1-4702-BBA6-1D4B0D9183CB}"/>
+              </a:ext>
+            </a:extLst>
+          </p:cNvPr>
+          <p:cNvPicPr>
+            <a:picLocks noChangeAspect="1"/>
+          </p:cNvPicPr>
+          <p:nvPr/>
+        </p:nvPicPr>
+        <p:blipFill>
+          <a:blip r:embed="rId5"/>
+          <a:stretch>
+            <a:fillRect/>
+          </a:stretch>
+        </p:blipFill>
+        <p:spPr>
+          <a:xfrm>
+            <a:off x="8788140" y="6320091"/>
+            <a:ext cx="2200959" cy="420482"/>
+          </a:xfrm>
+          <a:prstGeom prst="rect">
+            <a:avLst/>
+          </a:prstGeom>
+        </p:spPr>
+      </p:pic>
+      <p:sp>
+        <p:nvSpPr>
+          <p:cNvPr id="56" name="矩形 55">
+            <a:extLst>
+              <a:ext uri="{FF2B5EF4-FFF2-40B4-BE49-F238E27FC236}">
+                <a16:creationId xmlns:a16="http://schemas.microsoft.com/office/drawing/2014/main" id="{28E36C86-BBA4-43C0-B979-4802BBAC5C97}"/>
+              </a:ext>
+            </a:extLst>
+          </p:cNvPr>
+          <p:cNvSpPr/>
+          <p:nvPr/>
+        </p:nvSpPr>
+        <p:spPr>
+          <a:xfrm>
+            <a:off x="6120284" y="6332646"/>
+            <a:ext cx="1213159" cy="303423"/>
+          </a:xfrm>
+          <a:prstGeom prst="rect">
+            <a:avLst/>
+          </a:prstGeom>
+          <a:noFill/>
+          <a:ln>
+            <a:solidFill>
+              <a:schemeClr val="bg1"/>
+            </a:solidFill>
+          </a:ln>
+        </p:spPr>
+        <p:style>
+          <a:lnRef idx="2">
+            <a:schemeClr val="accent1">
+              <a:shade val="50000"/>
+            </a:schemeClr>
+          </a:lnRef>
+          <a:fillRef idx="1">
+            <a:schemeClr val="accent1"/>
+          </a:fillRef>
+          <a:effectRef idx="0">
+            <a:schemeClr val="accent1"/>
+          </a:effectRef>
+          <a:fontRef idx="minor">
+            <a:schemeClr val="lt1"/>
+          </a:fontRef>
+        </p:style>
+        <p:txBody>
+          <a:bodyPr rtlCol="0" anchor="ctr"/>
+          <a:lstStyle/>
+          <a:p>
+            <a:pPr algn="ctr"/>
+            <a:r>
+              <a:rPr lang="zh-CN" altLang="en-US" b="1" dirty="0">
+                <a:solidFill>
+                  <a:srgbClr val="FF0000"/>
+                </a:solidFill>
+              </a:rPr>
+              <a:t>多维度时</a:t>
+            </a:r>
+            <a:r>
+              <a:rPr lang="en-US" altLang="zh-CN" b="1" dirty="0">
+                <a:solidFill>
+                  <a:srgbClr val="FF0000"/>
+                </a:solidFill>
+              </a:rPr>
+              <a:t>: </a:t>
+            </a:r>
+            <a:endParaRPr lang="zh-CN" altLang="en-US" b="1" dirty="0">
+              <a:solidFill>
+                <a:srgbClr val="FF0000"/>
+              </a:solidFill>
+            </a:endParaRPr>
+          </a:p>
+        </p:txBody>
+      </p:sp>
+      <p:pic>
+        <p:nvPicPr>
+          <p:cNvPr id="57" name="图片 56">
+            <a:extLst>
+              <a:ext uri="{FF2B5EF4-FFF2-40B4-BE49-F238E27FC236}">
+                <a16:creationId xmlns:a16="http://schemas.microsoft.com/office/drawing/2014/main" id="{F797C2D7-CA06-450E-9871-C4E4566FADA1}"/>
+              </a:ext>
+            </a:extLst>
+          </p:cNvPr>
+          <p:cNvPicPr>
+            <a:picLocks noChangeAspect="1"/>
+          </p:cNvPicPr>
+          <p:nvPr/>
+        </p:nvPicPr>
+        <p:blipFill>
+          <a:blip r:embed="rId6"/>
+          <a:stretch>
+            <a:fillRect/>
+          </a:stretch>
+        </p:blipFill>
+        <p:spPr>
+          <a:xfrm>
+            <a:off x="7487425" y="6300068"/>
+            <a:ext cx="940296" cy="394530"/>
+          </a:xfrm>
+          <a:prstGeom prst="rect">
+            <a:avLst/>
+          </a:prstGeom>
+        </p:spPr>
+      </p:pic>
+      <p:sp>
+        <p:nvSpPr>
+          <p:cNvPr id="58" name="矩形 57">
+            <a:extLst>
+              <a:ext uri="{FF2B5EF4-FFF2-40B4-BE49-F238E27FC236}">
+                <a16:creationId xmlns:a16="http://schemas.microsoft.com/office/drawing/2014/main" id="{960C6443-1BC4-419D-8F0D-DB39445C9B4C}"/>
+              </a:ext>
+            </a:extLst>
+          </p:cNvPr>
+          <p:cNvSpPr/>
+          <p:nvPr/>
+        </p:nvSpPr>
+        <p:spPr>
+          <a:xfrm>
+            <a:off x="8427721" y="6320091"/>
+            <a:ext cx="360419" cy="374507"/>
+          </a:xfrm>
+          <a:prstGeom prst="rect">
+            <a:avLst/>
+          </a:prstGeom>
+          <a:noFill/>
+          <a:ln>
+            <a:noFill/>
+          </a:ln>
+        </p:spPr>
+        <p:style>
+          <a:lnRef idx="2">
+            <a:schemeClr val="accent1">
+              <a:shade val="50000"/>
+            </a:schemeClr>
+          </a:lnRef>
+          <a:fillRef idx="1">
+            <a:schemeClr val="accent1"/>
+          </a:fillRef>
+          <a:effectRef idx="0">
+            <a:schemeClr val="accent1"/>
+          </a:effectRef>
+          <a:fontRef idx="minor">
+            <a:schemeClr val="lt1"/>
+          </a:fontRef>
+        </p:style>
+        <p:txBody>
+          <a:bodyPr rtlCol="0" anchor="ctr"/>
+          <a:lstStyle/>
+          <a:p>
+            <a:pPr algn="ctr"/>
+            <a:r>
+              <a:rPr lang="en-US" altLang="zh-CN" b="1" dirty="0">
+                <a:solidFill>
+                  <a:schemeClr val="tx1"/>
+                </a:solidFill>
+              </a:rPr>
+              <a:t>=</a:t>
+            </a:r>
+            <a:endParaRPr lang="zh-CN" altLang="en-US" b="1" dirty="0">
+              <a:solidFill>
+                <a:schemeClr val="tx1"/>
+              </a:solidFill>
+            </a:endParaRPr>
+          </a:p>
+        </p:txBody>
+      </p:sp>
     </p:spTree>
     <p:extLst>
       <p:ext uri="{BB962C8B-B14F-4D97-AF65-F5344CB8AC3E}">
